--- a/Presentation.pptx
+++ b/Presentation.pptx
@@ -23,8 +23,12 @@
     <p:sldId id="277" r:id="rId17"/>
     <p:sldId id="279" r:id="rId18"/>
     <p:sldId id="281" r:id="rId19"/>
-    <p:sldId id="282" r:id="rId20"/>
-    <p:sldId id="284" r:id="rId21"/>
+    <p:sldId id="284" r:id="rId20"/>
+    <p:sldId id="282" r:id="rId21"/>
+    <p:sldId id="287" r:id="rId22"/>
+    <p:sldId id="286" r:id="rId23"/>
+    <p:sldId id="289" r:id="rId24"/>
+    <p:sldId id="291" r:id="rId25"/>
   </p:sldIdLst>
   <p:sldSz cx="12192000" cy="6858000"/>
   <p:notesSz cx="6858000" cy="9144000"/>
@@ -295,7 +299,7 @@
           <a:p>
             <a:fld id="{2F3E8B1C-86EF-43CF-8304-249481088644}" type="datetimeFigureOut">
               <a:rPr lang="en-US" smtClean="0"/>
-              <a:t>14/10/2023</a:t>
+              <a:t>10/16/23</a:t>
             </a:fld>
             <a:endParaRPr lang="en-US"/>
           </a:p>
@@ -493,7 +497,7 @@
           <a:p>
             <a:fld id="{2F3E8B1C-86EF-43CF-8304-249481088644}" type="datetimeFigureOut">
               <a:rPr lang="en-US" smtClean="0"/>
-              <a:t>14/10/2023</a:t>
+              <a:t>10/16/23</a:t>
             </a:fld>
             <a:endParaRPr lang="en-US"/>
           </a:p>
@@ -703,7 +707,7 @@
           <a:p>
             <a:fld id="{2F3E8B1C-86EF-43CF-8304-249481088644}" type="datetimeFigureOut">
               <a:rPr lang="en-US" smtClean="0"/>
-              <a:t>14/10/2023</a:t>
+              <a:t>10/16/23</a:t>
             </a:fld>
             <a:endParaRPr lang="en-US"/>
           </a:p>
@@ -901,7 +905,7 @@
           <a:p>
             <a:fld id="{2F3E8B1C-86EF-43CF-8304-249481088644}" type="datetimeFigureOut">
               <a:rPr lang="en-US" smtClean="0"/>
-              <a:t>14/10/2023</a:t>
+              <a:t>10/16/23</a:t>
             </a:fld>
             <a:endParaRPr lang="en-US"/>
           </a:p>
@@ -1177,7 +1181,7 @@
           <a:p>
             <a:fld id="{2F3E8B1C-86EF-43CF-8304-249481088644}" type="datetimeFigureOut">
               <a:rPr lang="en-US" smtClean="0"/>
-              <a:t>14/10/2023</a:t>
+              <a:t>10/16/23</a:t>
             </a:fld>
             <a:endParaRPr lang="en-US"/>
           </a:p>
@@ -1450,7 +1454,7 @@
           <a:p>
             <a:fld id="{2F3E8B1C-86EF-43CF-8304-249481088644}" type="datetimeFigureOut">
               <a:rPr lang="en-US" smtClean="0"/>
-              <a:t>14/10/2023</a:t>
+              <a:t>10/16/23</a:t>
             </a:fld>
             <a:endParaRPr lang="en-US"/>
           </a:p>
@@ -1872,7 +1876,7 @@
           <a:p>
             <a:fld id="{2F3E8B1C-86EF-43CF-8304-249481088644}" type="datetimeFigureOut">
               <a:rPr lang="en-US" smtClean="0"/>
-              <a:t>14/10/2023</a:t>
+              <a:t>10/16/23</a:t>
             </a:fld>
             <a:endParaRPr lang="en-US"/>
           </a:p>
@@ -2014,7 +2018,7 @@
           <a:p>
             <a:fld id="{2F3E8B1C-86EF-43CF-8304-249481088644}" type="datetimeFigureOut">
               <a:rPr lang="en-US" smtClean="0"/>
-              <a:t>14/10/2023</a:t>
+              <a:t>10/16/23</a:t>
             </a:fld>
             <a:endParaRPr lang="en-US"/>
           </a:p>
@@ -2127,7 +2131,7 @@
           <a:p>
             <a:fld id="{2F3E8B1C-86EF-43CF-8304-249481088644}" type="datetimeFigureOut">
               <a:rPr lang="en-US" smtClean="0"/>
-              <a:t>14/10/2023</a:t>
+              <a:t>10/16/23</a:t>
             </a:fld>
             <a:endParaRPr lang="en-US"/>
           </a:p>
@@ -2440,7 +2444,7 @@
           <a:p>
             <a:fld id="{2F3E8B1C-86EF-43CF-8304-249481088644}" type="datetimeFigureOut">
               <a:rPr lang="en-US" smtClean="0"/>
-              <a:t>14/10/2023</a:t>
+              <a:t>10/16/23</a:t>
             </a:fld>
             <a:endParaRPr lang="en-US"/>
           </a:p>
@@ -2733,7 +2737,7 @@
           <a:p>
             <a:fld id="{2F3E8B1C-86EF-43CF-8304-249481088644}" type="datetimeFigureOut">
               <a:rPr lang="en-US" smtClean="0"/>
-              <a:t>14/10/2023</a:t>
+              <a:t>10/16/23</a:t>
             </a:fld>
             <a:endParaRPr lang="en-US"/>
           </a:p>
@@ -2976,7 +2980,7 @@
             <a:fld id="{2F3E8B1C-86EF-43CF-8304-249481088644}" type="datetimeFigureOut">
               <a:rPr lang="en-US" smtClean="0"/>
               <a:pPr/>
-              <a:t>14/10/2023</a:t>
+              <a:t>10/16/23</a:t>
             </a:fld>
             <a:endParaRPr lang="en-US" dirty="0"/>
           </a:p>
@@ -3972,13 +3976,13 @@
   <p:clrMapOvr>
     <a:masterClrMapping/>
   </p:clrMapOvr>
-  <mc:AlternateContent xmlns:mc="http://schemas.openxmlformats.org/markup-compatibility/2006">
-    <mc:Choice xmlns:p15="http://schemas.microsoft.com/office/powerpoint/2012/main" Requires="p15">
+  <mc:AlternateContent xmlns:mc="http://schemas.openxmlformats.org/markup-compatibility/2006" xmlns:p15="http://schemas.microsoft.com/office/powerpoint/2012/main">
+    <mc:Choice Requires="p15">
       <p:transition xmlns:p14="http://schemas.microsoft.com/office/powerpoint/2010/main" spd="slow" p14:dur="2000">
         <p15:prstTrans prst="crush"/>
       </p:transition>
     </mc:Choice>
-    <mc:Fallback>
+    <mc:Fallback xmlns="">
       <p:transition spd="slow">
         <p:fade/>
       </p:transition>
@@ -4610,13 +4614,13 @@
   <p:clrMapOvr>
     <a:masterClrMapping/>
   </p:clrMapOvr>
-  <mc:AlternateContent xmlns:mc="http://schemas.openxmlformats.org/markup-compatibility/2006">
-    <mc:Choice xmlns:p15="http://schemas.microsoft.com/office/powerpoint/2012/main" Requires="p15">
+  <mc:AlternateContent xmlns:mc="http://schemas.openxmlformats.org/markup-compatibility/2006" xmlns:p15="http://schemas.microsoft.com/office/powerpoint/2012/main">
+    <mc:Choice Requires="p15">
       <p:transition xmlns:p14="http://schemas.microsoft.com/office/powerpoint/2010/main" spd="slow" p14:dur="2000">
         <p15:prstTrans prst="prestige"/>
       </p:transition>
     </mc:Choice>
-    <mc:Fallback>
+    <mc:Fallback xmlns="">
       <p:transition spd="slow">
         <p:fade/>
       </p:transition>
@@ -4943,7 +4947,7 @@
         </p:spPr>
         <p:txBody>
           <a:bodyPr vert="horz" lIns="91440" tIns="45720" rIns="91440" bIns="45720" rtlCol="0">
-            <a:normAutofit fontScale="92500" lnSpcReduction="10000"/>
+            <a:normAutofit fontScale="92500"/>
           </a:bodyPr>
           <a:lstStyle>
             <a:lvl1pPr marL="228600" indent="-228600" algn="l" defTabSz="914400" rtl="0" eaLnBrk="1" latinLnBrk="0" hangingPunct="1">
@@ -5132,7 +5136,7 @@
                 <a:effectLst/>
                 <a:latin typeface="Optimistic Text"/>
               </a:rPr>
-              <a:t>state, </a:t>
+              <a:t>state,</a:t>
             </a:r>
             <a:r>
               <a:rPr lang="en-US" b="0" i="0" dirty="0">
@@ -5142,7 +5146,7 @@
                 <a:effectLst/>
                 <a:latin typeface="Optimistic Text"/>
               </a:rPr>
-              <a:t>, as determined by an </a:t>
+              <a:t> as determined by an </a:t>
             </a:r>
             <a:r>
               <a:rPr lang="en-US" b="0" i="1" dirty="0">
@@ -8630,10 +8634,10 @@
       </p:sp>
       <p:sp>
         <p:nvSpPr>
-          <p:cNvPr id="12" name="TextBox 11">
-            <a:extLst>
-              <a:ext uri="{FF2B5EF4-FFF2-40B4-BE49-F238E27FC236}">
-                <a16:creationId xmlns:a16="http://schemas.microsoft.com/office/drawing/2014/main" id="{F917AF7E-2E95-0FC6-1C59-E7F5AD0182AB}"/>
+          <p:cNvPr id="14" name="TextBox 13">
+            <a:extLst>
+              <a:ext uri="{FF2B5EF4-FFF2-40B4-BE49-F238E27FC236}">
+                <a16:creationId xmlns:a16="http://schemas.microsoft.com/office/drawing/2014/main" id="{556D8C01-7FE1-A262-0B14-280A0B038A11}"/>
               </a:ext>
             </a:extLst>
           </p:cNvPr>
@@ -8642,7 +8646,7 @@
         </p:nvSpPr>
         <p:spPr>
           <a:xfrm>
-            <a:off x="651404" y="2872534"/>
+            <a:off x="700635" y="4091012"/>
             <a:ext cx="6094428" cy="369332"/>
           </a:xfrm>
           <a:prstGeom prst="rect">
@@ -8656,62 +8660,6 @@
           </a:bodyPr>
           <a:lstStyle/>
           <a:p>
-            <a:pPr marL="285750" indent="-285750">
-              <a:buFont typeface="Arial" panose="020B0604020202020204" pitchFamily="34" charset="0"/>
-              <a:buChar char="•"/>
-            </a:pPr>
-            <a:r>
-              <a:rPr lang="en-US" b="0" i="1" dirty="0">
-                <a:solidFill>
-                  <a:srgbClr val="23272F"/>
-                </a:solidFill>
-                <a:effectLst/>
-                <a:latin typeface="Optimistic Display"/>
-              </a:rPr>
-              <a:t>Effects</a:t>
-            </a:r>
-            <a:r>
-              <a:rPr lang="en-US" b="0" i="0" dirty="0">
-                <a:solidFill>
-                  <a:srgbClr val="23272F"/>
-                </a:solidFill>
-                <a:effectLst/>
-                <a:latin typeface="Optimistic Display"/>
-              </a:rPr>
-              <a:t> let you run some code after rendering </a:t>
-            </a:r>
-            <a:endParaRPr lang="en-US" dirty="0"/>
-          </a:p>
-        </p:txBody>
-      </p:sp>
-      <p:sp>
-        <p:nvSpPr>
-          <p:cNvPr id="14" name="TextBox 13">
-            <a:extLst>
-              <a:ext uri="{FF2B5EF4-FFF2-40B4-BE49-F238E27FC236}">
-                <a16:creationId xmlns:a16="http://schemas.microsoft.com/office/drawing/2014/main" id="{556D8C01-7FE1-A262-0B14-280A0B038A11}"/>
-              </a:ext>
-            </a:extLst>
-          </p:cNvPr>
-          <p:cNvSpPr txBox="1"/>
-          <p:nvPr/>
-        </p:nvSpPr>
-        <p:spPr>
-          <a:xfrm>
-            <a:off x="764525" y="3437472"/>
-            <a:ext cx="6094428" cy="369332"/>
-          </a:xfrm>
-          <a:prstGeom prst="rect">
-            <a:avLst/>
-          </a:prstGeom>
-          <a:noFill/>
-        </p:spPr>
-        <p:txBody>
-          <a:bodyPr wrap="square">
-            <a:spAutoFit/>
-          </a:bodyPr>
-          <a:lstStyle/>
-          <a:p>
             <a:pPr algn="l"/>
             <a:r>
               <a:rPr lang="en-US" b="1" i="0" dirty="0">
@@ -8740,7 +8688,7 @@
         </p:nvSpPr>
         <p:spPr>
           <a:xfrm>
-            <a:off x="1171280" y="3908825"/>
+            <a:off x="1094824" y="4570756"/>
             <a:ext cx="9405593" cy="369332"/>
           </a:xfrm>
           <a:prstGeom prst="rect">
@@ -8822,7 +8770,7 @@
         </p:nvSpPr>
         <p:spPr>
           <a:xfrm>
-            <a:off x="1171280" y="4473763"/>
+            <a:off x="1094824" y="5059881"/>
             <a:ext cx="8792852" cy="369332"/>
           </a:xfrm>
           <a:prstGeom prst="rect">
@@ -8897,6 +8845,48 @@
               <a:t>setup</a:t>
             </a:r>
             <a:endParaRPr lang="en-US" i="1" dirty="0"/>
+          </a:p>
+        </p:txBody>
+      </p:sp>
+      <p:sp>
+        <p:nvSpPr>
+          <p:cNvPr id="4" name="TextBox 3">
+            <a:extLst>
+              <a:ext uri="{FF2B5EF4-FFF2-40B4-BE49-F238E27FC236}">
+                <a16:creationId xmlns:a16="http://schemas.microsoft.com/office/drawing/2014/main" id="{8838E63B-5AED-B1FD-090C-D02C420C0B29}"/>
+              </a:ext>
+            </a:extLst>
+          </p:cNvPr>
+          <p:cNvSpPr txBox="1"/>
+          <p:nvPr/>
+        </p:nvSpPr>
+        <p:spPr>
+          <a:xfrm>
+            <a:off x="1094824" y="2841044"/>
+            <a:ext cx="10426137" cy="646331"/>
+          </a:xfrm>
+          <a:prstGeom prst="rect">
+            <a:avLst/>
+          </a:prstGeom>
+          <a:noFill/>
+        </p:spPr>
+        <p:txBody>
+          <a:bodyPr wrap="square">
+            <a:spAutoFit/>
+          </a:bodyPr>
+          <a:lstStyle/>
+          <a:p>
+            <a:r>
+              <a:rPr lang="en-US" b="0" i="0" dirty="0">
+                <a:solidFill>
+                  <a:srgbClr val="000000"/>
+                </a:solidFill>
+                <a:effectLst/>
+                <a:latin typeface="-apple-system"/>
+              </a:rPr>
+              <a:t>=&gt; Data fetching, setting up a subscription, and manually changing the DOM in React components are all examples of side effects</a:t>
+            </a:r>
+            <a:endParaRPr lang="en-US" dirty="0"/>
           </a:p>
         </p:txBody>
       </p:sp>
@@ -8910,13 +8900,13 @@
   <p:clrMapOvr>
     <a:masterClrMapping/>
   </p:clrMapOvr>
-  <mc:AlternateContent xmlns:mc="http://schemas.openxmlformats.org/markup-compatibility/2006">
-    <mc:Choice xmlns:p14="http://schemas.microsoft.com/office/powerpoint/2010/main" Requires="p14">
+  <mc:AlternateContent xmlns:mc="http://schemas.openxmlformats.org/markup-compatibility/2006" xmlns:p14="http://schemas.microsoft.com/office/powerpoint/2010/main">
+    <mc:Choice Requires="p14">
       <p:transition spd="slow" p14:dur="1500">
         <p:split orient="vert"/>
       </p:transition>
     </mc:Choice>
-    <mc:Fallback>
+    <mc:Fallback xmlns="">
       <p:transition spd="slow">
         <p:split orient="vert"/>
       </p:transition>
@@ -8971,12 +8961,257 @@
           </a:p>
         </p:txBody>
       </p:sp>
+      <p:sp>
+        <p:nvSpPr>
+          <p:cNvPr id="6" name="Content Placeholder 2">
+            <a:extLst>
+              <a:ext uri="{FF2B5EF4-FFF2-40B4-BE49-F238E27FC236}">
+                <a16:creationId xmlns:a16="http://schemas.microsoft.com/office/drawing/2014/main" id="{BC5D16A0-D81B-D4C5-ADF2-0BD6D24B78EE}"/>
+              </a:ext>
+            </a:extLst>
+          </p:cNvPr>
+          <p:cNvSpPr txBox="1">
+            <a:spLocks/>
+          </p:cNvSpPr>
+          <p:nvPr/>
+        </p:nvSpPr>
+        <p:spPr>
+          <a:xfrm>
+            <a:off x="6723667" y="2010445"/>
+            <a:ext cx="968606" cy="565362"/>
+          </a:xfrm>
+          <a:prstGeom prst="rect">
+            <a:avLst/>
+          </a:prstGeom>
+        </p:spPr>
+        <p:txBody>
+          <a:bodyPr vert="horz" lIns="91440" tIns="45720" rIns="91440" bIns="45720" rtlCol="0">
+            <a:normAutofit/>
+          </a:bodyPr>
+          <a:lstStyle>
+            <a:lvl1pPr marL="228600" indent="-228600" algn="l" defTabSz="914400" rtl="0" eaLnBrk="1" latinLnBrk="0" hangingPunct="1">
+              <a:lnSpc>
+                <a:spcPct val="120000"/>
+              </a:lnSpc>
+              <a:spcBef>
+                <a:spcPts val="1000"/>
+              </a:spcBef>
+              <a:buFont typeface="Arial" panose="020B0604020202020204" pitchFamily="34" charset="0"/>
+              <a:buChar char="•"/>
+              <a:defRPr sz="2000" kern="1200">
+                <a:solidFill>
+                  <a:schemeClr val="tx1"/>
+                </a:solidFill>
+                <a:latin typeface="+mn-lt"/>
+                <a:ea typeface="+mn-ea"/>
+                <a:cs typeface="+mn-cs"/>
+              </a:defRPr>
+            </a:lvl1pPr>
+            <a:lvl2pPr marL="685800" indent="-228600" algn="l" defTabSz="914400" rtl="0" eaLnBrk="1" latinLnBrk="0" hangingPunct="1">
+              <a:lnSpc>
+                <a:spcPct val="120000"/>
+              </a:lnSpc>
+              <a:spcBef>
+                <a:spcPts val="500"/>
+              </a:spcBef>
+              <a:buFont typeface="Arial" panose="020B0604020202020204" pitchFamily="34" charset="0"/>
+              <a:buChar char="•"/>
+              <a:defRPr sz="1800" kern="1200">
+                <a:solidFill>
+                  <a:schemeClr val="tx1"/>
+                </a:solidFill>
+                <a:latin typeface="+mn-lt"/>
+                <a:ea typeface="+mn-ea"/>
+                <a:cs typeface="+mn-cs"/>
+              </a:defRPr>
+            </a:lvl2pPr>
+            <a:lvl3pPr marL="1143000" indent="-228600" algn="l" defTabSz="914400" rtl="0" eaLnBrk="1" latinLnBrk="0" hangingPunct="1">
+              <a:lnSpc>
+                <a:spcPct val="120000"/>
+              </a:lnSpc>
+              <a:spcBef>
+                <a:spcPts val="500"/>
+              </a:spcBef>
+              <a:buFont typeface="Arial" panose="020B0604020202020204" pitchFamily="34" charset="0"/>
+              <a:buChar char="•"/>
+              <a:defRPr sz="1600" kern="1200">
+                <a:solidFill>
+                  <a:schemeClr val="tx1"/>
+                </a:solidFill>
+                <a:latin typeface="+mn-lt"/>
+                <a:ea typeface="+mn-ea"/>
+                <a:cs typeface="+mn-cs"/>
+              </a:defRPr>
+            </a:lvl3pPr>
+            <a:lvl4pPr marL="1600200" indent="-228600" algn="l" defTabSz="914400" rtl="0" eaLnBrk="1" latinLnBrk="0" hangingPunct="1">
+              <a:lnSpc>
+                <a:spcPct val="120000"/>
+              </a:lnSpc>
+              <a:spcBef>
+                <a:spcPts val="500"/>
+              </a:spcBef>
+              <a:buFont typeface="Arial" panose="020B0604020202020204" pitchFamily="34" charset="0"/>
+              <a:buChar char="•"/>
+              <a:defRPr sz="1400" kern="1200">
+                <a:solidFill>
+                  <a:schemeClr val="tx1"/>
+                </a:solidFill>
+                <a:latin typeface="+mn-lt"/>
+                <a:ea typeface="+mn-ea"/>
+                <a:cs typeface="+mn-cs"/>
+              </a:defRPr>
+            </a:lvl4pPr>
+            <a:lvl5pPr marL="2057400" indent="-228600" algn="l" defTabSz="914400" rtl="0" eaLnBrk="1" latinLnBrk="0" hangingPunct="1">
+              <a:lnSpc>
+                <a:spcPct val="120000"/>
+              </a:lnSpc>
+              <a:spcBef>
+                <a:spcPts val="500"/>
+              </a:spcBef>
+              <a:buFont typeface="Arial" panose="020B0604020202020204" pitchFamily="34" charset="0"/>
+              <a:buChar char="•"/>
+              <a:defRPr sz="1400" kern="1200">
+                <a:solidFill>
+                  <a:schemeClr val="tx1"/>
+                </a:solidFill>
+                <a:latin typeface="+mn-lt"/>
+                <a:ea typeface="+mn-ea"/>
+                <a:cs typeface="+mn-cs"/>
+              </a:defRPr>
+            </a:lvl5pPr>
+            <a:lvl6pPr marL="2514600" indent="-228600" algn="l" defTabSz="914400" rtl="0" eaLnBrk="1" latinLnBrk="0" hangingPunct="1">
+              <a:lnSpc>
+                <a:spcPct val="90000"/>
+              </a:lnSpc>
+              <a:spcBef>
+                <a:spcPts val="500"/>
+              </a:spcBef>
+              <a:buFont typeface="Arial" panose="020B0604020202020204" pitchFamily="34" charset="0"/>
+              <a:buChar char="•"/>
+              <a:defRPr sz="1800" kern="1200">
+                <a:solidFill>
+                  <a:schemeClr val="tx1"/>
+                </a:solidFill>
+                <a:latin typeface="+mn-lt"/>
+                <a:ea typeface="+mn-ea"/>
+                <a:cs typeface="+mn-cs"/>
+              </a:defRPr>
+            </a:lvl6pPr>
+            <a:lvl7pPr marL="2971800" indent="-228600" algn="l" defTabSz="914400" rtl="0" eaLnBrk="1" latinLnBrk="0" hangingPunct="1">
+              <a:lnSpc>
+                <a:spcPct val="90000"/>
+              </a:lnSpc>
+              <a:spcBef>
+                <a:spcPts val="500"/>
+              </a:spcBef>
+              <a:buFont typeface="Arial" panose="020B0604020202020204" pitchFamily="34" charset="0"/>
+              <a:buChar char="•"/>
+              <a:defRPr sz="1800" kern="1200">
+                <a:solidFill>
+                  <a:schemeClr val="tx1"/>
+                </a:solidFill>
+                <a:latin typeface="+mn-lt"/>
+                <a:ea typeface="+mn-ea"/>
+                <a:cs typeface="+mn-cs"/>
+              </a:defRPr>
+            </a:lvl7pPr>
+            <a:lvl8pPr marL="3429000" indent="-228600" algn="l" defTabSz="914400" rtl="0" eaLnBrk="1" latinLnBrk="0" hangingPunct="1">
+              <a:lnSpc>
+                <a:spcPct val="90000"/>
+              </a:lnSpc>
+              <a:spcBef>
+                <a:spcPts val="500"/>
+              </a:spcBef>
+              <a:buFont typeface="Arial" panose="020B0604020202020204" pitchFamily="34" charset="0"/>
+              <a:buChar char="•"/>
+              <a:defRPr sz="1800" kern="1200">
+                <a:solidFill>
+                  <a:schemeClr val="tx1"/>
+                </a:solidFill>
+                <a:latin typeface="+mn-lt"/>
+                <a:ea typeface="+mn-ea"/>
+                <a:cs typeface="+mn-cs"/>
+              </a:defRPr>
+            </a:lvl8pPr>
+            <a:lvl9pPr marL="3886200" indent="-228600" algn="l" defTabSz="914400" rtl="0" eaLnBrk="1" latinLnBrk="0" hangingPunct="1">
+              <a:lnSpc>
+                <a:spcPct val="90000"/>
+              </a:lnSpc>
+              <a:spcBef>
+                <a:spcPts val="500"/>
+              </a:spcBef>
+              <a:buFont typeface="Arial" panose="020B0604020202020204" pitchFamily="34" charset="0"/>
+              <a:buChar char="•"/>
+              <a:defRPr sz="1800" kern="1200">
+                <a:solidFill>
+                  <a:schemeClr val="tx1"/>
+                </a:solidFill>
+                <a:latin typeface="+mn-lt"/>
+                <a:ea typeface="+mn-ea"/>
+                <a:cs typeface="+mn-cs"/>
+              </a:defRPr>
+            </a:lvl9pPr>
+          </a:lstStyle>
+          <a:p>
+            <a:pPr marL="0" indent="0">
+              <a:buFont typeface="Arial" panose="020B0604020202020204" pitchFamily="34" charset="0"/>
+              <a:buNone/>
+            </a:pPr>
+            <a:r>
+              <a:rPr lang="en-US" dirty="0"/>
+              <a:t>=&gt;</a:t>
+            </a:r>
+          </a:p>
+        </p:txBody>
+      </p:sp>
+      <p:sp>
+        <p:nvSpPr>
+          <p:cNvPr id="10" name="Content Placeholder 2">
+            <a:extLst>
+              <a:ext uri="{FF2B5EF4-FFF2-40B4-BE49-F238E27FC236}">
+                <a16:creationId xmlns:a16="http://schemas.microsoft.com/office/drawing/2014/main" id="{7300C5F2-E529-CDB1-2DC2-2A1E2CDCEDC4}"/>
+              </a:ext>
+            </a:extLst>
+          </p:cNvPr>
+          <p:cNvSpPr>
+            <a:spLocks noGrp="1"/>
+          </p:cNvSpPr>
+          <p:nvPr>
+            <p:ph idx="1"/>
+          </p:nvPr>
+        </p:nvSpPr>
+        <p:spPr>
+          <a:xfrm>
+            <a:off x="5539184" y="5721421"/>
+            <a:ext cx="1512066" cy="565362"/>
+          </a:xfrm>
+        </p:spPr>
+        <p:txBody>
+          <a:bodyPr/>
+          <a:lstStyle/>
+          <a:p>
+            <a:pPr marL="0" indent="0">
+              <a:buNone/>
+            </a:pPr>
+            <a:r>
+              <a:rPr lang="en-US" dirty="0"/>
+              <a:t>Example 9</a:t>
+            </a:r>
+          </a:p>
+          <a:p>
+            <a:pPr marL="0" indent="0">
+              <a:buNone/>
+            </a:pPr>
+            <a:endParaRPr lang="en-US" dirty="0"/>
+          </a:p>
+        </p:txBody>
+      </p:sp>
       <p:pic>
         <p:nvPicPr>
-          <p:cNvPr id="4" name="Picture 3">
-            <a:extLst>
-              <a:ext uri="{FF2B5EF4-FFF2-40B4-BE49-F238E27FC236}">
-                <a16:creationId xmlns:a16="http://schemas.microsoft.com/office/drawing/2014/main" id="{3AA56A6A-84C0-22FA-7898-D21597D986DD}"/>
+          <p:cNvPr id="5" name="Picture 4">
+            <a:extLst>
+              <a:ext uri="{FF2B5EF4-FFF2-40B4-BE49-F238E27FC236}">
+                <a16:creationId xmlns:a16="http://schemas.microsoft.com/office/drawing/2014/main" id="{2297DBC4-5AA8-F090-1B6A-A3FA6DD04B1F}"/>
               </a:ext>
             </a:extLst>
           </p:cNvPr>
@@ -8993,223 +9228,20 @@
         </p:blipFill>
         <p:spPr>
           <a:xfrm>
-            <a:off x="700635" y="1878544"/>
-            <a:ext cx="4473328" cy="2309060"/>
+            <a:off x="800100" y="1950150"/>
+            <a:ext cx="5585944" cy="3520745"/>
           </a:xfrm>
           <a:prstGeom prst="rect">
             <a:avLst/>
           </a:prstGeom>
         </p:spPr>
       </p:pic>
-      <p:sp>
-        <p:nvSpPr>
-          <p:cNvPr id="6" name="Content Placeholder 2">
-            <a:extLst>
-              <a:ext uri="{FF2B5EF4-FFF2-40B4-BE49-F238E27FC236}">
-                <a16:creationId xmlns:a16="http://schemas.microsoft.com/office/drawing/2014/main" id="{BC5D16A0-D81B-D4C5-ADF2-0BD6D24B78EE}"/>
-              </a:ext>
-            </a:extLst>
-          </p:cNvPr>
-          <p:cNvSpPr txBox="1">
-            <a:spLocks/>
-          </p:cNvSpPr>
-          <p:nvPr/>
-        </p:nvSpPr>
-        <p:spPr>
-          <a:xfrm>
-            <a:off x="5479328" y="2293126"/>
-            <a:ext cx="1811250" cy="565362"/>
-          </a:xfrm>
-          <a:prstGeom prst="rect">
-            <a:avLst/>
-          </a:prstGeom>
-        </p:spPr>
-        <p:txBody>
-          <a:bodyPr vert="horz" lIns="91440" tIns="45720" rIns="91440" bIns="45720" rtlCol="0">
-            <a:normAutofit/>
-          </a:bodyPr>
-          <a:lstStyle>
-            <a:lvl1pPr marL="228600" indent="-228600" algn="l" defTabSz="914400" rtl="0" eaLnBrk="1" latinLnBrk="0" hangingPunct="1">
-              <a:lnSpc>
-                <a:spcPct val="120000"/>
-              </a:lnSpc>
-              <a:spcBef>
-                <a:spcPts val="1000"/>
-              </a:spcBef>
-              <a:buFont typeface="Arial" panose="020B0604020202020204" pitchFamily="34" charset="0"/>
-              <a:buChar char="•"/>
-              <a:defRPr sz="2000" kern="1200">
-                <a:solidFill>
-                  <a:schemeClr val="tx1"/>
-                </a:solidFill>
-                <a:latin typeface="+mn-lt"/>
-                <a:ea typeface="+mn-ea"/>
-                <a:cs typeface="+mn-cs"/>
-              </a:defRPr>
-            </a:lvl1pPr>
-            <a:lvl2pPr marL="685800" indent="-228600" algn="l" defTabSz="914400" rtl="0" eaLnBrk="1" latinLnBrk="0" hangingPunct="1">
-              <a:lnSpc>
-                <a:spcPct val="120000"/>
-              </a:lnSpc>
-              <a:spcBef>
-                <a:spcPts val="500"/>
-              </a:spcBef>
-              <a:buFont typeface="Arial" panose="020B0604020202020204" pitchFamily="34" charset="0"/>
-              <a:buChar char="•"/>
-              <a:defRPr sz="1800" kern="1200">
-                <a:solidFill>
-                  <a:schemeClr val="tx1"/>
-                </a:solidFill>
-                <a:latin typeface="+mn-lt"/>
-                <a:ea typeface="+mn-ea"/>
-                <a:cs typeface="+mn-cs"/>
-              </a:defRPr>
-            </a:lvl2pPr>
-            <a:lvl3pPr marL="1143000" indent="-228600" algn="l" defTabSz="914400" rtl="0" eaLnBrk="1" latinLnBrk="0" hangingPunct="1">
-              <a:lnSpc>
-                <a:spcPct val="120000"/>
-              </a:lnSpc>
-              <a:spcBef>
-                <a:spcPts val="500"/>
-              </a:spcBef>
-              <a:buFont typeface="Arial" panose="020B0604020202020204" pitchFamily="34" charset="0"/>
-              <a:buChar char="•"/>
-              <a:defRPr sz="1600" kern="1200">
-                <a:solidFill>
-                  <a:schemeClr val="tx1"/>
-                </a:solidFill>
-                <a:latin typeface="+mn-lt"/>
-                <a:ea typeface="+mn-ea"/>
-                <a:cs typeface="+mn-cs"/>
-              </a:defRPr>
-            </a:lvl3pPr>
-            <a:lvl4pPr marL="1600200" indent="-228600" algn="l" defTabSz="914400" rtl="0" eaLnBrk="1" latinLnBrk="0" hangingPunct="1">
-              <a:lnSpc>
-                <a:spcPct val="120000"/>
-              </a:lnSpc>
-              <a:spcBef>
-                <a:spcPts val="500"/>
-              </a:spcBef>
-              <a:buFont typeface="Arial" panose="020B0604020202020204" pitchFamily="34" charset="0"/>
-              <a:buChar char="•"/>
-              <a:defRPr sz="1400" kern="1200">
-                <a:solidFill>
-                  <a:schemeClr val="tx1"/>
-                </a:solidFill>
-                <a:latin typeface="+mn-lt"/>
-                <a:ea typeface="+mn-ea"/>
-                <a:cs typeface="+mn-cs"/>
-              </a:defRPr>
-            </a:lvl4pPr>
-            <a:lvl5pPr marL="2057400" indent="-228600" algn="l" defTabSz="914400" rtl="0" eaLnBrk="1" latinLnBrk="0" hangingPunct="1">
-              <a:lnSpc>
-                <a:spcPct val="120000"/>
-              </a:lnSpc>
-              <a:spcBef>
-                <a:spcPts val="500"/>
-              </a:spcBef>
-              <a:buFont typeface="Arial" panose="020B0604020202020204" pitchFamily="34" charset="0"/>
-              <a:buChar char="•"/>
-              <a:defRPr sz="1400" kern="1200">
-                <a:solidFill>
-                  <a:schemeClr val="tx1"/>
-                </a:solidFill>
-                <a:latin typeface="+mn-lt"/>
-                <a:ea typeface="+mn-ea"/>
-                <a:cs typeface="+mn-cs"/>
-              </a:defRPr>
-            </a:lvl5pPr>
-            <a:lvl6pPr marL="2514600" indent="-228600" algn="l" defTabSz="914400" rtl="0" eaLnBrk="1" latinLnBrk="0" hangingPunct="1">
-              <a:lnSpc>
-                <a:spcPct val="90000"/>
-              </a:lnSpc>
-              <a:spcBef>
-                <a:spcPts val="500"/>
-              </a:spcBef>
-              <a:buFont typeface="Arial" panose="020B0604020202020204" pitchFamily="34" charset="0"/>
-              <a:buChar char="•"/>
-              <a:defRPr sz="1800" kern="1200">
-                <a:solidFill>
-                  <a:schemeClr val="tx1"/>
-                </a:solidFill>
-                <a:latin typeface="+mn-lt"/>
-                <a:ea typeface="+mn-ea"/>
-                <a:cs typeface="+mn-cs"/>
-              </a:defRPr>
-            </a:lvl6pPr>
-            <a:lvl7pPr marL="2971800" indent="-228600" algn="l" defTabSz="914400" rtl="0" eaLnBrk="1" latinLnBrk="0" hangingPunct="1">
-              <a:lnSpc>
-                <a:spcPct val="90000"/>
-              </a:lnSpc>
-              <a:spcBef>
-                <a:spcPts val="500"/>
-              </a:spcBef>
-              <a:buFont typeface="Arial" panose="020B0604020202020204" pitchFamily="34" charset="0"/>
-              <a:buChar char="•"/>
-              <a:defRPr sz="1800" kern="1200">
-                <a:solidFill>
-                  <a:schemeClr val="tx1"/>
-                </a:solidFill>
-                <a:latin typeface="+mn-lt"/>
-                <a:ea typeface="+mn-ea"/>
-                <a:cs typeface="+mn-cs"/>
-              </a:defRPr>
-            </a:lvl7pPr>
-            <a:lvl8pPr marL="3429000" indent="-228600" algn="l" defTabSz="914400" rtl="0" eaLnBrk="1" latinLnBrk="0" hangingPunct="1">
-              <a:lnSpc>
-                <a:spcPct val="90000"/>
-              </a:lnSpc>
-              <a:spcBef>
-                <a:spcPts val="500"/>
-              </a:spcBef>
-              <a:buFont typeface="Arial" panose="020B0604020202020204" pitchFamily="34" charset="0"/>
-              <a:buChar char="•"/>
-              <a:defRPr sz="1800" kern="1200">
-                <a:solidFill>
-                  <a:schemeClr val="tx1"/>
-                </a:solidFill>
-                <a:latin typeface="+mn-lt"/>
-                <a:ea typeface="+mn-ea"/>
-                <a:cs typeface="+mn-cs"/>
-              </a:defRPr>
-            </a:lvl8pPr>
-            <a:lvl9pPr marL="3886200" indent="-228600" algn="l" defTabSz="914400" rtl="0" eaLnBrk="1" latinLnBrk="0" hangingPunct="1">
-              <a:lnSpc>
-                <a:spcPct val="90000"/>
-              </a:lnSpc>
-              <a:spcBef>
-                <a:spcPts val="500"/>
-              </a:spcBef>
-              <a:buFont typeface="Arial" panose="020B0604020202020204" pitchFamily="34" charset="0"/>
-              <a:buChar char="•"/>
-              <a:defRPr sz="1800" kern="1200">
-                <a:solidFill>
-                  <a:schemeClr val="tx1"/>
-                </a:solidFill>
-                <a:latin typeface="+mn-lt"/>
-                <a:ea typeface="+mn-ea"/>
-                <a:cs typeface="+mn-cs"/>
-              </a:defRPr>
-            </a:lvl9pPr>
-          </a:lstStyle>
-          <a:p>
-            <a:pPr marL="0" indent="0">
-              <a:buFont typeface="Arial" panose="020B0604020202020204" pitchFamily="34" charset="0"/>
-              <a:buNone/>
-            </a:pPr>
-            <a:r>
-              <a:rPr lang="en-US" dirty="0"/>
-              <a:t>=&gt;</a:t>
-            </a:r>
-          </a:p>
-        </p:txBody>
-      </p:sp>
       <p:pic>
         <p:nvPicPr>
-          <p:cNvPr id="9" name="Picture 8">
-            <a:extLst>
-              <a:ext uri="{FF2B5EF4-FFF2-40B4-BE49-F238E27FC236}">
-                <a16:creationId xmlns:a16="http://schemas.microsoft.com/office/drawing/2014/main" id="{9CE52C60-8D03-13FA-132C-ED580172580E}"/>
+          <p:cNvPr id="8" name="Picture 7">
+            <a:extLst>
+              <a:ext uri="{FF2B5EF4-FFF2-40B4-BE49-F238E27FC236}">
+                <a16:creationId xmlns:a16="http://schemas.microsoft.com/office/drawing/2014/main" id="{F24E0A01-1D42-5885-FB01-37D8B50BCB9E}"/>
               </a:ext>
             </a:extLst>
           </p:cNvPr>
@@ -9226,8 +9258,8 @@
         </p:blipFill>
         <p:spPr>
           <a:xfrm>
-            <a:off x="6096000" y="1914125"/>
-            <a:ext cx="1203575" cy="1371030"/>
+            <a:off x="7551212" y="1950150"/>
+            <a:ext cx="1541895" cy="565361"/>
           </a:xfrm>
           <a:prstGeom prst="rect">
             <a:avLst/>
@@ -9236,57 +9268,125 @@
       </p:pic>
       <p:sp>
         <p:nvSpPr>
-          <p:cNvPr id="10" name="Content Placeholder 2">
-            <a:extLst>
-              <a:ext uri="{FF2B5EF4-FFF2-40B4-BE49-F238E27FC236}">
-                <a16:creationId xmlns:a16="http://schemas.microsoft.com/office/drawing/2014/main" id="{7300C5F2-E529-CDB1-2DC2-2A1E2CDCEDC4}"/>
-              </a:ext>
-            </a:extLst>
-          </p:cNvPr>
-          <p:cNvSpPr>
-            <a:spLocks noGrp="1"/>
-          </p:cNvSpPr>
-          <p:nvPr>
-            <p:ph idx="1"/>
-          </p:nvPr>
+          <p:cNvPr id="12" name="TextBox 11">
+            <a:extLst>
+              <a:ext uri="{FF2B5EF4-FFF2-40B4-BE49-F238E27FC236}">
+                <a16:creationId xmlns:a16="http://schemas.microsoft.com/office/drawing/2014/main" id="{F0A7A633-F201-0E1D-E472-43C74B51C5BA}"/>
+              </a:ext>
+            </a:extLst>
+          </p:cNvPr>
+          <p:cNvSpPr txBox="1"/>
+          <p:nvPr/>
         </p:nvSpPr>
         <p:spPr>
           <a:xfrm>
-            <a:off x="5558038" y="5593444"/>
-            <a:ext cx="1512066" cy="565362"/>
+            <a:off x="6978192" y="3328012"/>
+            <a:ext cx="6094428" cy="369332"/>
           </a:xfrm>
+          <a:prstGeom prst="rect">
+            <a:avLst/>
+          </a:prstGeom>
+          <a:noFill/>
         </p:spPr>
         <p:txBody>
-          <a:bodyPr/>
+          <a:bodyPr wrap="square">
+            <a:spAutoFit/>
+          </a:bodyPr>
           <a:lstStyle/>
           <a:p>
-            <a:pPr marL="0" indent="0">
-              <a:buNone/>
-            </a:pPr>
-            <a:r>
-              <a:rPr lang="en-US" dirty="0"/>
-              <a:t>Example 9</a:t>
-            </a:r>
+            <a:pPr algn="l"/>
+            <a:r>
+              <a:rPr lang="en-US" b="0" i="0" dirty="0">
+                <a:solidFill>
+                  <a:srgbClr val="23272F"/>
+                </a:solidFill>
+                <a:effectLst/>
+                <a:latin typeface="Optimistic Display"/>
+              </a:rPr>
+              <a:t>Passing no dependency array:</a:t>
+            </a:r>
+          </a:p>
+        </p:txBody>
+      </p:sp>
+      <p:sp>
+        <p:nvSpPr>
+          <p:cNvPr id="14" name="TextBox 13">
+            <a:extLst>
+              <a:ext uri="{FF2B5EF4-FFF2-40B4-BE49-F238E27FC236}">
+                <a16:creationId xmlns:a16="http://schemas.microsoft.com/office/drawing/2014/main" id="{E3ED824E-6E9A-11ED-9C25-90C075DF5DC7}"/>
+              </a:ext>
+            </a:extLst>
+          </p:cNvPr>
+          <p:cNvSpPr txBox="1"/>
+          <p:nvPr/>
+        </p:nvSpPr>
+        <p:spPr>
+          <a:xfrm>
+            <a:off x="7051250" y="3774579"/>
+            <a:ext cx="4340650" cy="646331"/>
+          </a:xfrm>
+          <a:prstGeom prst="rect">
+            <a:avLst/>
+          </a:prstGeom>
+          <a:noFill/>
+        </p:spPr>
+        <p:txBody>
+          <a:bodyPr wrap="square">
+            <a:spAutoFit/>
+          </a:bodyPr>
+          <a:lstStyle/>
+          <a:p>
+            <a:r>
+              <a:rPr lang="en-US" b="0" i="0" dirty="0">
+                <a:solidFill>
+                  <a:srgbClr val="23272F"/>
+                </a:solidFill>
+                <a:effectLst/>
+                <a:latin typeface="Optimistic Text"/>
+              </a:rPr>
+              <a:t>=&gt; Effect runs </a:t>
+            </a:r>
+            <a:r>
+              <a:rPr lang="en-US" b="1" i="0" dirty="0">
+                <a:solidFill>
+                  <a:srgbClr val="23272F"/>
+                </a:solidFill>
+                <a:effectLst/>
+                <a:latin typeface="Optimistic Text"/>
+              </a:rPr>
+              <a:t>after every single render (and re-render)</a:t>
+            </a:r>
+            <a:r>
+              <a:rPr lang="en-US" b="0" i="0" dirty="0">
+                <a:solidFill>
+                  <a:srgbClr val="23272F"/>
+                </a:solidFill>
+                <a:effectLst/>
+                <a:latin typeface="Optimistic Text"/>
+              </a:rPr>
+              <a:t> of component.</a:t>
+            </a:r>
+            <a:endParaRPr lang="en-US" dirty="0"/>
           </a:p>
         </p:txBody>
       </p:sp>
     </p:spTree>
     <p:extLst>
       <p:ext uri="{BB962C8B-B14F-4D97-AF65-F5344CB8AC3E}">
-        <p14:creationId xmlns:p14="http://schemas.microsoft.com/office/powerpoint/2010/main" val="2683692296"/>
+        <p14:creationId xmlns:p14="http://schemas.microsoft.com/office/powerpoint/2010/main" val="4280026893"/>
       </p:ext>
     </p:extLst>
   </p:cSld>
   <p:clrMapOvr>
     <a:masterClrMapping/>
   </p:clrMapOvr>
-  <mc:AlternateContent xmlns:mc="http://schemas.openxmlformats.org/markup-compatibility/2006">
-    <mc:Choice xmlns:p14="http://schemas.microsoft.com/office/powerpoint/2010/main" Requires="p14">
+  <mc:AlternateContent xmlns:mc="http://schemas.openxmlformats.org/markup-compatibility/2006" xmlns:p14="http://schemas.microsoft.com/office/powerpoint/2010/main">
+    <mc:Choice Requires="p14">
       <p:transition spd="slow" p14:dur="1500">
         <p:split orient="vert"/>
       </p:transition>
     </mc:Choice>
-    <mc:Fallback>
+    <mc:Fallback xmlns="">
       <p:transition spd="slow">
         <p:split orient="vert"/>
       </p:transition>
@@ -9368,7 +9468,7 @@
           <a:p>
             <a:r>
               <a:rPr lang="en-US" dirty="0"/>
-              <a:t>What is hook?’</a:t>
+              <a:t>What is hook?</a:t>
             </a:r>
           </a:p>
           <a:p>
@@ -9495,8 +9595,8 @@
         </p:nvSpPr>
         <p:spPr>
           <a:xfrm>
-            <a:off x="6723667" y="2010445"/>
-            <a:ext cx="968606" cy="565362"/>
+            <a:off x="5479328" y="2293126"/>
+            <a:ext cx="1811250" cy="565362"/>
           </a:xfrm>
           <a:prstGeom prst="rect">
             <a:avLst/>
@@ -9682,48 +9782,12 @@
           </a:p>
         </p:txBody>
       </p:sp>
-      <p:sp>
-        <p:nvSpPr>
-          <p:cNvPr id="10" name="Content Placeholder 2">
-            <a:extLst>
-              <a:ext uri="{FF2B5EF4-FFF2-40B4-BE49-F238E27FC236}">
-                <a16:creationId xmlns:a16="http://schemas.microsoft.com/office/drawing/2014/main" id="{7300C5F2-E529-CDB1-2DC2-2A1E2CDCEDC4}"/>
-              </a:ext>
-            </a:extLst>
-          </p:cNvPr>
-          <p:cNvSpPr>
-            <a:spLocks noGrp="1"/>
-          </p:cNvSpPr>
-          <p:nvPr>
-            <p:ph idx="1"/>
-          </p:nvPr>
-        </p:nvSpPr>
-        <p:spPr>
-          <a:xfrm>
-            <a:off x="5539184" y="5721421"/>
-            <a:ext cx="1512066" cy="565362"/>
-          </a:xfrm>
-        </p:spPr>
-        <p:txBody>
-          <a:bodyPr/>
-          <a:lstStyle/>
-          <a:p>
-            <a:pPr marL="0" indent="0">
-              <a:buNone/>
-            </a:pPr>
-            <a:r>
-              <a:rPr lang="en-US" dirty="0"/>
-              <a:t>Example 10</a:t>
-            </a:r>
-          </a:p>
-        </p:txBody>
-      </p:sp>
       <p:pic>
         <p:nvPicPr>
-          <p:cNvPr id="5" name="Picture 4">
-            <a:extLst>
-              <a:ext uri="{FF2B5EF4-FFF2-40B4-BE49-F238E27FC236}">
-                <a16:creationId xmlns:a16="http://schemas.microsoft.com/office/drawing/2014/main" id="{2297DBC4-5AA8-F090-1B6A-A3FA6DD04B1F}"/>
+          <p:cNvPr id="9" name="Picture 8">
+            <a:extLst>
+              <a:ext uri="{FF2B5EF4-FFF2-40B4-BE49-F238E27FC236}">
+                <a16:creationId xmlns:a16="http://schemas.microsoft.com/office/drawing/2014/main" id="{9CE52C60-8D03-13FA-132C-ED580172580E}"/>
               </a:ext>
             </a:extLst>
           </p:cNvPr>
@@ -9740,8 +9804,544 @@
         </p:blipFill>
         <p:spPr>
           <a:xfrm>
-            <a:off x="800100" y="1950150"/>
-            <a:ext cx="5585944" cy="3520745"/>
+            <a:off x="6096000" y="1914125"/>
+            <a:ext cx="1203575" cy="1371030"/>
+          </a:xfrm>
+          <a:prstGeom prst="rect">
+            <a:avLst/>
+          </a:prstGeom>
+        </p:spPr>
+      </p:pic>
+      <p:sp>
+        <p:nvSpPr>
+          <p:cNvPr id="10" name="Content Placeholder 2">
+            <a:extLst>
+              <a:ext uri="{FF2B5EF4-FFF2-40B4-BE49-F238E27FC236}">
+                <a16:creationId xmlns:a16="http://schemas.microsoft.com/office/drawing/2014/main" id="{7300C5F2-E529-CDB1-2DC2-2A1E2CDCEDC4}"/>
+              </a:ext>
+            </a:extLst>
+          </p:cNvPr>
+          <p:cNvSpPr>
+            <a:spLocks noGrp="1"/>
+          </p:cNvSpPr>
+          <p:nvPr>
+            <p:ph idx="1"/>
+          </p:nvPr>
+        </p:nvSpPr>
+        <p:spPr>
+          <a:xfrm>
+            <a:off x="5558038" y="5593444"/>
+            <a:ext cx="1512066" cy="565362"/>
+          </a:xfrm>
+        </p:spPr>
+        <p:txBody>
+          <a:bodyPr/>
+          <a:lstStyle/>
+          <a:p>
+            <a:pPr marL="0" indent="0">
+              <a:buNone/>
+            </a:pPr>
+            <a:r>
+              <a:rPr lang="en-US" dirty="0"/>
+              <a:t>Example 10</a:t>
+            </a:r>
+          </a:p>
+          <a:p>
+            <a:pPr marL="0" indent="0">
+              <a:buNone/>
+            </a:pPr>
+            <a:endParaRPr lang="en-US" dirty="0"/>
+          </a:p>
+        </p:txBody>
+      </p:sp>
+      <p:pic>
+        <p:nvPicPr>
+          <p:cNvPr id="5" name="Picture 4">
+            <a:extLst>
+              <a:ext uri="{FF2B5EF4-FFF2-40B4-BE49-F238E27FC236}">
+                <a16:creationId xmlns:a16="http://schemas.microsoft.com/office/drawing/2014/main" id="{4548612B-4688-BD86-9DFF-2D92AD079E48}"/>
+              </a:ext>
+            </a:extLst>
+          </p:cNvPr>
+          <p:cNvPicPr>
+            <a:picLocks noChangeAspect="1"/>
+          </p:cNvPicPr>
+          <p:nvPr/>
+        </p:nvPicPr>
+        <p:blipFill>
+          <a:blip r:embed="rId3">
+            <a:extLst>
+              <a:ext uri="{28A0092B-C50C-407E-A947-70E740481C1C}">
+                <a14:useLocalDpi xmlns:a14="http://schemas.microsoft.com/office/drawing/2010/main" val="0"/>
+              </a:ext>
+            </a:extLst>
+          </a:blip>
+          <a:stretch>
+            <a:fillRect/>
+          </a:stretch>
+        </p:blipFill>
+        <p:spPr>
+          <a:xfrm>
+            <a:off x="703853" y="1829217"/>
+            <a:ext cx="4775475" cy="2911875"/>
+          </a:xfrm>
+          <a:prstGeom prst="rect">
+            <a:avLst/>
+          </a:prstGeom>
+        </p:spPr>
+      </p:pic>
+    </p:spTree>
+    <p:extLst>
+      <p:ext uri="{BB962C8B-B14F-4D97-AF65-F5344CB8AC3E}">
+        <p14:creationId xmlns:p14="http://schemas.microsoft.com/office/powerpoint/2010/main" val="2683692296"/>
+      </p:ext>
+    </p:extLst>
+  </p:cSld>
+  <p:clrMapOvr>
+    <a:masterClrMapping/>
+  </p:clrMapOvr>
+  <mc:AlternateContent xmlns:mc="http://schemas.openxmlformats.org/markup-compatibility/2006" xmlns:p14="http://schemas.microsoft.com/office/powerpoint/2010/main">
+    <mc:Choice Requires="p14">
+      <p:transition spd="slow" p14:dur="1500">
+        <p:split orient="vert"/>
+      </p:transition>
+    </mc:Choice>
+    <mc:Fallback xmlns="">
+      <p:transition spd="slow">
+        <p:split orient="vert"/>
+      </p:transition>
+    </mc:Fallback>
+  </mc:AlternateContent>
+</p:sld>
+</file>
+
+<file path=ppt/slides/slide21.xml><?xml version="1.0" encoding="utf-8"?>
+<p:sld xmlns:a="http://schemas.openxmlformats.org/drawingml/2006/main" xmlns:r="http://schemas.openxmlformats.org/officeDocument/2006/relationships" xmlns:p="http://schemas.openxmlformats.org/presentationml/2006/main">
+  <p:cSld>
+    <p:spTree>
+      <p:nvGrpSpPr>
+        <p:cNvPr id="1" name=""/>
+        <p:cNvGrpSpPr/>
+        <p:nvPr/>
+      </p:nvGrpSpPr>
+      <p:grpSpPr>
+        <a:xfrm>
+          <a:off x="0" y="0"/>
+          <a:ext cx="0" cy="0"/>
+          <a:chOff x="0" y="0"/>
+          <a:chExt cx="0" cy="0"/>
+        </a:xfrm>
+      </p:grpSpPr>
+      <p:sp>
+        <p:nvSpPr>
+          <p:cNvPr id="2" name="Title 1">
+            <a:extLst>
+              <a:ext uri="{FF2B5EF4-FFF2-40B4-BE49-F238E27FC236}">
+                <a16:creationId xmlns:a16="http://schemas.microsoft.com/office/drawing/2014/main" id="{6D943677-26E4-8255-C3CB-6C5E89CFFE20}"/>
+              </a:ext>
+            </a:extLst>
+          </p:cNvPr>
+          <p:cNvSpPr>
+            <a:spLocks noGrp="1"/>
+          </p:cNvSpPr>
+          <p:nvPr>
+            <p:ph type="title"/>
+          </p:nvPr>
+        </p:nvSpPr>
+        <p:spPr/>
+        <p:txBody>
+          <a:bodyPr/>
+          <a:lstStyle/>
+          <a:p>
+            <a:r>
+              <a:rPr lang="en-US" cap="none" dirty="0" err="1"/>
+              <a:t>useEffect</a:t>
+            </a:r>
+            <a:endParaRPr lang="en-US" dirty="0"/>
+          </a:p>
+        </p:txBody>
+      </p:sp>
+      <p:sp>
+        <p:nvSpPr>
+          <p:cNvPr id="6" name="Content Placeholder 2">
+            <a:extLst>
+              <a:ext uri="{FF2B5EF4-FFF2-40B4-BE49-F238E27FC236}">
+                <a16:creationId xmlns:a16="http://schemas.microsoft.com/office/drawing/2014/main" id="{BC5D16A0-D81B-D4C5-ADF2-0BD6D24B78EE}"/>
+              </a:ext>
+            </a:extLst>
+          </p:cNvPr>
+          <p:cNvSpPr txBox="1">
+            <a:spLocks/>
+          </p:cNvSpPr>
+          <p:nvPr/>
+        </p:nvSpPr>
+        <p:spPr>
+          <a:xfrm>
+            <a:off x="5479328" y="2293126"/>
+            <a:ext cx="1811250" cy="565362"/>
+          </a:xfrm>
+          <a:prstGeom prst="rect">
+            <a:avLst/>
+          </a:prstGeom>
+        </p:spPr>
+        <p:txBody>
+          <a:bodyPr vert="horz" lIns="91440" tIns="45720" rIns="91440" bIns="45720" rtlCol="0">
+            <a:normAutofit/>
+          </a:bodyPr>
+          <a:lstStyle>
+            <a:lvl1pPr marL="228600" indent="-228600" algn="l" defTabSz="914400" rtl="0" eaLnBrk="1" latinLnBrk="0" hangingPunct="1">
+              <a:lnSpc>
+                <a:spcPct val="120000"/>
+              </a:lnSpc>
+              <a:spcBef>
+                <a:spcPts val="1000"/>
+              </a:spcBef>
+              <a:buFont typeface="Arial" panose="020B0604020202020204" pitchFamily="34" charset="0"/>
+              <a:buChar char="•"/>
+              <a:defRPr sz="2000" kern="1200">
+                <a:solidFill>
+                  <a:schemeClr val="tx1"/>
+                </a:solidFill>
+                <a:latin typeface="+mn-lt"/>
+                <a:ea typeface="+mn-ea"/>
+                <a:cs typeface="+mn-cs"/>
+              </a:defRPr>
+            </a:lvl1pPr>
+            <a:lvl2pPr marL="685800" indent="-228600" algn="l" defTabSz="914400" rtl="0" eaLnBrk="1" latinLnBrk="0" hangingPunct="1">
+              <a:lnSpc>
+                <a:spcPct val="120000"/>
+              </a:lnSpc>
+              <a:spcBef>
+                <a:spcPts val="500"/>
+              </a:spcBef>
+              <a:buFont typeface="Arial" panose="020B0604020202020204" pitchFamily="34" charset="0"/>
+              <a:buChar char="•"/>
+              <a:defRPr sz="1800" kern="1200">
+                <a:solidFill>
+                  <a:schemeClr val="tx1"/>
+                </a:solidFill>
+                <a:latin typeface="+mn-lt"/>
+                <a:ea typeface="+mn-ea"/>
+                <a:cs typeface="+mn-cs"/>
+              </a:defRPr>
+            </a:lvl2pPr>
+            <a:lvl3pPr marL="1143000" indent="-228600" algn="l" defTabSz="914400" rtl="0" eaLnBrk="1" latinLnBrk="0" hangingPunct="1">
+              <a:lnSpc>
+                <a:spcPct val="120000"/>
+              </a:lnSpc>
+              <a:spcBef>
+                <a:spcPts val="500"/>
+              </a:spcBef>
+              <a:buFont typeface="Arial" panose="020B0604020202020204" pitchFamily="34" charset="0"/>
+              <a:buChar char="•"/>
+              <a:defRPr sz="1600" kern="1200">
+                <a:solidFill>
+                  <a:schemeClr val="tx1"/>
+                </a:solidFill>
+                <a:latin typeface="+mn-lt"/>
+                <a:ea typeface="+mn-ea"/>
+                <a:cs typeface="+mn-cs"/>
+              </a:defRPr>
+            </a:lvl3pPr>
+            <a:lvl4pPr marL="1600200" indent="-228600" algn="l" defTabSz="914400" rtl="0" eaLnBrk="1" latinLnBrk="0" hangingPunct="1">
+              <a:lnSpc>
+                <a:spcPct val="120000"/>
+              </a:lnSpc>
+              <a:spcBef>
+                <a:spcPts val="500"/>
+              </a:spcBef>
+              <a:buFont typeface="Arial" panose="020B0604020202020204" pitchFamily="34" charset="0"/>
+              <a:buChar char="•"/>
+              <a:defRPr sz="1400" kern="1200">
+                <a:solidFill>
+                  <a:schemeClr val="tx1"/>
+                </a:solidFill>
+                <a:latin typeface="+mn-lt"/>
+                <a:ea typeface="+mn-ea"/>
+                <a:cs typeface="+mn-cs"/>
+              </a:defRPr>
+            </a:lvl4pPr>
+            <a:lvl5pPr marL="2057400" indent="-228600" algn="l" defTabSz="914400" rtl="0" eaLnBrk="1" latinLnBrk="0" hangingPunct="1">
+              <a:lnSpc>
+                <a:spcPct val="120000"/>
+              </a:lnSpc>
+              <a:spcBef>
+                <a:spcPts val="500"/>
+              </a:spcBef>
+              <a:buFont typeface="Arial" panose="020B0604020202020204" pitchFamily="34" charset="0"/>
+              <a:buChar char="•"/>
+              <a:defRPr sz="1400" kern="1200">
+                <a:solidFill>
+                  <a:schemeClr val="tx1"/>
+                </a:solidFill>
+                <a:latin typeface="+mn-lt"/>
+                <a:ea typeface="+mn-ea"/>
+                <a:cs typeface="+mn-cs"/>
+              </a:defRPr>
+            </a:lvl5pPr>
+            <a:lvl6pPr marL="2514600" indent="-228600" algn="l" defTabSz="914400" rtl="0" eaLnBrk="1" latinLnBrk="0" hangingPunct="1">
+              <a:lnSpc>
+                <a:spcPct val="90000"/>
+              </a:lnSpc>
+              <a:spcBef>
+                <a:spcPts val="500"/>
+              </a:spcBef>
+              <a:buFont typeface="Arial" panose="020B0604020202020204" pitchFamily="34" charset="0"/>
+              <a:buChar char="•"/>
+              <a:defRPr sz="1800" kern="1200">
+                <a:solidFill>
+                  <a:schemeClr val="tx1"/>
+                </a:solidFill>
+                <a:latin typeface="+mn-lt"/>
+                <a:ea typeface="+mn-ea"/>
+                <a:cs typeface="+mn-cs"/>
+              </a:defRPr>
+            </a:lvl6pPr>
+            <a:lvl7pPr marL="2971800" indent="-228600" algn="l" defTabSz="914400" rtl="0" eaLnBrk="1" latinLnBrk="0" hangingPunct="1">
+              <a:lnSpc>
+                <a:spcPct val="90000"/>
+              </a:lnSpc>
+              <a:spcBef>
+                <a:spcPts val="500"/>
+              </a:spcBef>
+              <a:buFont typeface="Arial" panose="020B0604020202020204" pitchFamily="34" charset="0"/>
+              <a:buChar char="•"/>
+              <a:defRPr sz="1800" kern="1200">
+                <a:solidFill>
+                  <a:schemeClr val="tx1"/>
+                </a:solidFill>
+                <a:latin typeface="+mn-lt"/>
+                <a:ea typeface="+mn-ea"/>
+                <a:cs typeface="+mn-cs"/>
+              </a:defRPr>
+            </a:lvl7pPr>
+            <a:lvl8pPr marL="3429000" indent="-228600" algn="l" defTabSz="914400" rtl="0" eaLnBrk="1" latinLnBrk="0" hangingPunct="1">
+              <a:lnSpc>
+                <a:spcPct val="90000"/>
+              </a:lnSpc>
+              <a:spcBef>
+                <a:spcPts val="500"/>
+              </a:spcBef>
+              <a:buFont typeface="Arial" panose="020B0604020202020204" pitchFamily="34" charset="0"/>
+              <a:buChar char="•"/>
+              <a:defRPr sz="1800" kern="1200">
+                <a:solidFill>
+                  <a:schemeClr val="tx1"/>
+                </a:solidFill>
+                <a:latin typeface="+mn-lt"/>
+                <a:ea typeface="+mn-ea"/>
+                <a:cs typeface="+mn-cs"/>
+              </a:defRPr>
+            </a:lvl8pPr>
+            <a:lvl9pPr marL="3886200" indent="-228600" algn="l" defTabSz="914400" rtl="0" eaLnBrk="1" latinLnBrk="0" hangingPunct="1">
+              <a:lnSpc>
+                <a:spcPct val="90000"/>
+              </a:lnSpc>
+              <a:spcBef>
+                <a:spcPts val="500"/>
+              </a:spcBef>
+              <a:buFont typeface="Arial" panose="020B0604020202020204" pitchFamily="34" charset="0"/>
+              <a:buChar char="•"/>
+              <a:defRPr sz="1800" kern="1200">
+                <a:solidFill>
+                  <a:schemeClr val="tx1"/>
+                </a:solidFill>
+                <a:latin typeface="+mn-lt"/>
+                <a:ea typeface="+mn-ea"/>
+                <a:cs typeface="+mn-cs"/>
+              </a:defRPr>
+            </a:lvl9pPr>
+          </a:lstStyle>
+          <a:p>
+            <a:pPr marL="0" indent="0">
+              <a:buFont typeface="Arial" panose="020B0604020202020204" pitchFamily="34" charset="0"/>
+              <a:buNone/>
+            </a:pPr>
+            <a:r>
+              <a:rPr lang="en-US" dirty="0"/>
+              <a:t>=&gt;</a:t>
+            </a:r>
+          </a:p>
+        </p:txBody>
+      </p:sp>
+      <p:sp>
+        <p:nvSpPr>
+          <p:cNvPr id="10" name="Content Placeholder 2">
+            <a:extLst>
+              <a:ext uri="{FF2B5EF4-FFF2-40B4-BE49-F238E27FC236}">
+                <a16:creationId xmlns:a16="http://schemas.microsoft.com/office/drawing/2014/main" id="{7300C5F2-E529-CDB1-2DC2-2A1E2CDCEDC4}"/>
+              </a:ext>
+            </a:extLst>
+          </p:cNvPr>
+          <p:cNvSpPr>
+            <a:spLocks noGrp="1"/>
+          </p:cNvSpPr>
+          <p:nvPr>
+            <p:ph idx="1"/>
+          </p:nvPr>
+        </p:nvSpPr>
+        <p:spPr>
+          <a:xfrm>
+            <a:off x="5558038" y="5593444"/>
+            <a:ext cx="1512066" cy="565362"/>
+          </a:xfrm>
+        </p:spPr>
+        <p:txBody>
+          <a:bodyPr/>
+          <a:lstStyle/>
+          <a:p>
+            <a:pPr marL="0" indent="0">
+              <a:buNone/>
+            </a:pPr>
+            <a:r>
+              <a:rPr lang="en-US" dirty="0"/>
+              <a:t>Example 10</a:t>
+            </a:r>
+          </a:p>
+          <a:p>
+            <a:pPr marL="0" indent="0">
+              <a:buNone/>
+            </a:pPr>
+            <a:endParaRPr lang="en-US" dirty="0"/>
+          </a:p>
+        </p:txBody>
+      </p:sp>
+      <p:sp>
+        <p:nvSpPr>
+          <p:cNvPr id="7" name="TextBox 6">
+            <a:extLst>
+              <a:ext uri="{FF2B5EF4-FFF2-40B4-BE49-F238E27FC236}">
+                <a16:creationId xmlns:a16="http://schemas.microsoft.com/office/drawing/2014/main" id="{3DBE9CDD-C418-FFE1-1FAA-C6F78132D1EC}"/>
+              </a:ext>
+            </a:extLst>
+          </p:cNvPr>
+          <p:cNvSpPr txBox="1"/>
+          <p:nvPr/>
+        </p:nvSpPr>
+        <p:spPr>
+          <a:xfrm>
+            <a:off x="6314071" y="3418009"/>
+            <a:ext cx="6094428" cy="923330"/>
+          </a:xfrm>
+          <a:prstGeom prst="rect">
+            <a:avLst/>
+          </a:prstGeom>
+          <a:noFill/>
+        </p:spPr>
+        <p:txBody>
+          <a:bodyPr wrap="square">
+            <a:spAutoFit/>
+          </a:bodyPr>
+          <a:lstStyle/>
+          <a:p>
+            <a:pPr algn="l"/>
+            <a:r>
+              <a:rPr lang="en-US" b="0" i="0" dirty="0">
+                <a:solidFill>
+                  <a:srgbClr val="23272F"/>
+                </a:solidFill>
+                <a:effectLst/>
+                <a:latin typeface="Optimistic Display"/>
+              </a:rPr>
+              <a:t>Passing an empty dependency array </a:t>
+            </a:r>
+          </a:p>
+          <a:p>
+            <a:br>
+              <a:rPr lang="en-US" dirty="0"/>
+            </a:br>
+            <a:endParaRPr lang="en-US" b="0" i="0" dirty="0">
+              <a:solidFill>
+                <a:srgbClr val="23272F"/>
+              </a:solidFill>
+              <a:effectLst/>
+              <a:latin typeface="Optimistic Display"/>
+            </a:endParaRPr>
+          </a:p>
+        </p:txBody>
+      </p:sp>
+      <p:sp>
+        <p:nvSpPr>
+          <p:cNvPr id="8" name="TextBox 7">
+            <a:extLst>
+              <a:ext uri="{FF2B5EF4-FFF2-40B4-BE49-F238E27FC236}">
+                <a16:creationId xmlns:a16="http://schemas.microsoft.com/office/drawing/2014/main" id="{B165CA37-F8AB-A7AD-3579-B010DBAAC5DE}"/>
+              </a:ext>
+            </a:extLst>
+          </p:cNvPr>
+          <p:cNvSpPr txBox="1"/>
+          <p:nvPr/>
+        </p:nvSpPr>
+        <p:spPr>
+          <a:xfrm>
+            <a:off x="6314071" y="3856634"/>
+            <a:ext cx="4340650" cy="369332"/>
+          </a:xfrm>
+          <a:prstGeom prst="rect">
+            <a:avLst/>
+          </a:prstGeom>
+          <a:noFill/>
+        </p:spPr>
+        <p:txBody>
+          <a:bodyPr wrap="square">
+            <a:spAutoFit/>
+          </a:bodyPr>
+          <a:lstStyle/>
+          <a:p>
+            <a:r>
+              <a:rPr lang="en-US" b="0" i="0" dirty="0">
+                <a:solidFill>
+                  <a:srgbClr val="23272F"/>
+                </a:solidFill>
+                <a:effectLst/>
+                <a:latin typeface="Optimistic Text"/>
+              </a:rPr>
+              <a:t>=&gt; Effect will only run </a:t>
+            </a:r>
+            <a:r>
+              <a:rPr lang="en-US" b="1" i="0" dirty="0">
+                <a:solidFill>
+                  <a:srgbClr val="23272F"/>
+                </a:solidFill>
+                <a:effectLst/>
+                <a:latin typeface="Optimistic Text"/>
+              </a:rPr>
+              <a:t>after the initial render</a:t>
+            </a:r>
+            <a:endParaRPr lang="en-US" dirty="0"/>
+          </a:p>
+        </p:txBody>
+      </p:sp>
+      <p:pic>
+        <p:nvPicPr>
+          <p:cNvPr id="4" name="Picture 3">
+            <a:extLst>
+              <a:ext uri="{FF2B5EF4-FFF2-40B4-BE49-F238E27FC236}">
+                <a16:creationId xmlns:a16="http://schemas.microsoft.com/office/drawing/2014/main" id="{D7CC2E65-A3AF-A84C-E974-2674C83A2471}"/>
+              </a:ext>
+            </a:extLst>
+          </p:cNvPr>
+          <p:cNvPicPr>
+            <a:picLocks noChangeAspect="1"/>
+          </p:cNvPicPr>
+          <p:nvPr/>
+        </p:nvPicPr>
+        <p:blipFill>
+          <a:blip r:embed="rId2">
+            <a:extLst>
+              <a:ext uri="{28A0092B-C50C-407E-A947-70E740481C1C}">
+                <a14:useLocalDpi xmlns:a14="http://schemas.microsoft.com/office/drawing/2010/main" val="0"/>
+              </a:ext>
+            </a:extLst>
+          </a:blip>
+          <a:stretch>
+            <a:fillRect/>
+          </a:stretch>
+        </p:blipFill>
+        <p:spPr>
+          <a:xfrm>
+            <a:off x="758444" y="1921933"/>
+            <a:ext cx="4663076" cy="2404533"/>
           </a:xfrm>
           <a:prstGeom prst="rect">
             <a:avLst/>
@@ -9750,10 +10350,10 @@
       </p:pic>
       <p:pic>
         <p:nvPicPr>
-          <p:cNvPr id="8" name="Picture 7">
-            <a:extLst>
-              <a:ext uri="{FF2B5EF4-FFF2-40B4-BE49-F238E27FC236}">
-                <a16:creationId xmlns:a16="http://schemas.microsoft.com/office/drawing/2014/main" id="{F24E0A01-1D42-5885-FB01-37D8B50BCB9E}"/>
+          <p:cNvPr id="11" name="Picture 10">
+            <a:extLst>
+              <a:ext uri="{FF2B5EF4-FFF2-40B4-BE49-F238E27FC236}">
+                <a16:creationId xmlns:a16="http://schemas.microsoft.com/office/drawing/2014/main" id="{F6EDE157-28CA-526C-33C3-1502C8903986}"/>
               </a:ext>
             </a:extLst>
           </p:cNvPr>
@@ -9763,27 +10363,385 @@
           <p:nvPr/>
         </p:nvPicPr>
         <p:blipFill>
-          <a:blip r:embed="rId3"/>
+          <a:blip r:embed="rId3">
+            <a:extLst>
+              <a:ext uri="{28A0092B-C50C-407E-A947-70E740481C1C}">
+                <a14:useLocalDpi xmlns:a14="http://schemas.microsoft.com/office/drawing/2010/main" val="0"/>
+              </a:ext>
+            </a:extLst>
+          </a:blip>
           <a:stretch>
             <a:fillRect/>
           </a:stretch>
         </p:blipFill>
         <p:spPr>
           <a:xfrm>
-            <a:off x="7551212" y="1950150"/>
-            <a:ext cx="1541895" cy="565361"/>
+            <a:off x="6384311" y="1655446"/>
+            <a:ext cx="907045" cy="1528021"/>
           </a:xfrm>
           <a:prstGeom prst="rect">
             <a:avLst/>
           </a:prstGeom>
         </p:spPr>
       </p:pic>
-      <p:sp>
-        <p:nvSpPr>
-          <p:cNvPr id="12" name="TextBox 11">
-            <a:extLst>
-              <a:ext uri="{FF2B5EF4-FFF2-40B4-BE49-F238E27FC236}">
-                <a16:creationId xmlns:a16="http://schemas.microsoft.com/office/drawing/2014/main" id="{F0A7A633-F201-0E1D-E472-43C74B51C5BA}"/>
+    </p:spTree>
+    <p:extLst>
+      <p:ext uri="{BB962C8B-B14F-4D97-AF65-F5344CB8AC3E}">
+        <p14:creationId xmlns:p14="http://schemas.microsoft.com/office/powerpoint/2010/main" val="2167118851"/>
+      </p:ext>
+    </p:extLst>
+  </p:cSld>
+  <p:clrMapOvr>
+    <a:masterClrMapping/>
+  </p:clrMapOvr>
+  <mc:AlternateContent xmlns:mc="http://schemas.openxmlformats.org/markup-compatibility/2006" xmlns:p14="http://schemas.microsoft.com/office/powerpoint/2010/main">
+    <mc:Choice Requires="p14">
+      <p:transition spd="slow" p14:dur="1500">
+        <p:split orient="vert"/>
+      </p:transition>
+    </mc:Choice>
+    <mc:Fallback xmlns="">
+      <p:transition spd="slow">
+        <p:split orient="vert"/>
+      </p:transition>
+    </mc:Fallback>
+  </mc:AlternateContent>
+</p:sld>
+</file>
+
+<file path=ppt/slides/slide22.xml><?xml version="1.0" encoding="utf-8"?>
+<p:sld xmlns:a="http://schemas.openxmlformats.org/drawingml/2006/main" xmlns:r="http://schemas.openxmlformats.org/officeDocument/2006/relationships" xmlns:p="http://schemas.openxmlformats.org/presentationml/2006/main">
+  <p:cSld>
+    <p:spTree>
+      <p:nvGrpSpPr>
+        <p:cNvPr id="1" name=""/>
+        <p:cNvGrpSpPr/>
+        <p:nvPr/>
+      </p:nvGrpSpPr>
+      <p:grpSpPr>
+        <a:xfrm>
+          <a:off x="0" y="0"/>
+          <a:ext cx="0" cy="0"/>
+          <a:chOff x="0" y="0"/>
+          <a:chExt cx="0" cy="0"/>
+        </a:xfrm>
+      </p:grpSpPr>
+      <p:sp>
+        <p:nvSpPr>
+          <p:cNvPr id="2" name="Title 1">
+            <a:extLst>
+              <a:ext uri="{FF2B5EF4-FFF2-40B4-BE49-F238E27FC236}">
+                <a16:creationId xmlns:a16="http://schemas.microsoft.com/office/drawing/2014/main" id="{6D943677-26E4-8255-C3CB-6C5E89CFFE20}"/>
+              </a:ext>
+            </a:extLst>
+          </p:cNvPr>
+          <p:cNvSpPr>
+            <a:spLocks noGrp="1"/>
+          </p:cNvSpPr>
+          <p:nvPr>
+            <p:ph type="title"/>
+          </p:nvPr>
+        </p:nvSpPr>
+        <p:spPr/>
+        <p:txBody>
+          <a:bodyPr/>
+          <a:lstStyle/>
+          <a:p>
+            <a:r>
+              <a:rPr lang="en-US" cap="none" dirty="0" err="1"/>
+              <a:t>useEffect</a:t>
+            </a:r>
+            <a:endParaRPr lang="en-US" dirty="0"/>
+          </a:p>
+        </p:txBody>
+      </p:sp>
+      <p:sp>
+        <p:nvSpPr>
+          <p:cNvPr id="6" name="Content Placeholder 2">
+            <a:extLst>
+              <a:ext uri="{FF2B5EF4-FFF2-40B4-BE49-F238E27FC236}">
+                <a16:creationId xmlns:a16="http://schemas.microsoft.com/office/drawing/2014/main" id="{BC5D16A0-D81B-D4C5-ADF2-0BD6D24B78EE}"/>
+              </a:ext>
+            </a:extLst>
+          </p:cNvPr>
+          <p:cNvSpPr txBox="1">
+            <a:spLocks/>
+          </p:cNvSpPr>
+          <p:nvPr/>
+        </p:nvSpPr>
+        <p:spPr>
+          <a:xfrm>
+            <a:off x="5479328" y="2293126"/>
+            <a:ext cx="1811250" cy="565362"/>
+          </a:xfrm>
+          <a:prstGeom prst="rect">
+            <a:avLst/>
+          </a:prstGeom>
+        </p:spPr>
+        <p:txBody>
+          <a:bodyPr vert="horz" lIns="91440" tIns="45720" rIns="91440" bIns="45720" rtlCol="0">
+            <a:normAutofit/>
+          </a:bodyPr>
+          <a:lstStyle>
+            <a:lvl1pPr marL="228600" indent="-228600" algn="l" defTabSz="914400" rtl="0" eaLnBrk="1" latinLnBrk="0" hangingPunct="1">
+              <a:lnSpc>
+                <a:spcPct val="120000"/>
+              </a:lnSpc>
+              <a:spcBef>
+                <a:spcPts val="1000"/>
+              </a:spcBef>
+              <a:buFont typeface="Arial" panose="020B0604020202020204" pitchFamily="34" charset="0"/>
+              <a:buChar char="•"/>
+              <a:defRPr sz="2000" kern="1200">
+                <a:solidFill>
+                  <a:schemeClr val="tx1"/>
+                </a:solidFill>
+                <a:latin typeface="+mn-lt"/>
+                <a:ea typeface="+mn-ea"/>
+                <a:cs typeface="+mn-cs"/>
+              </a:defRPr>
+            </a:lvl1pPr>
+            <a:lvl2pPr marL="685800" indent="-228600" algn="l" defTabSz="914400" rtl="0" eaLnBrk="1" latinLnBrk="0" hangingPunct="1">
+              <a:lnSpc>
+                <a:spcPct val="120000"/>
+              </a:lnSpc>
+              <a:spcBef>
+                <a:spcPts val="500"/>
+              </a:spcBef>
+              <a:buFont typeface="Arial" panose="020B0604020202020204" pitchFamily="34" charset="0"/>
+              <a:buChar char="•"/>
+              <a:defRPr sz="1800" kern="1200">
+                <a:solidFill>
+                  <a:schemeClr val="tx1"/>
+                </a:solidFill>
+                <a:latin typeface="+mn-lt"/>
+                <a:ea typeface="+mn-ea"/>
+                <a:cs typeface="+mn-cs"/>
+              </a:defRPr>
+            </a:lvl2pPr>
+            <a:lvl3pPr marL="1143000" indent="-228600" algn="l" defTabSz="914400" rtl="0" eaLnBrk="1" latinLnBrk="0" hangingPunct="1">
+              <a:lnSpc>
+                <a:spcPct val="120000"/>
+              </a:lnSpc>
+              <a:spcBef>
+                <a:spcPts val="500"/>
+              </a:spcBef>
+              <a:buFont typeface="Arial" panose="020B0604020202020204" pitchFamily="34" charset="0"/>
+              <a:buChar char="•"/>
+              <a:defRPr sz="1600" kern="1200">
+                <a:solidFill>
+                  <a:schemeClr val="tx1"/>
+                </a:solidFill>
+                <a:latin typeface="+mn-lt"/>
+                <a:ea typeface="+mn-ea"/>
+                <a:cs typeface="+mn-cs"/>
+              </a:defRPr>
+            </a:lvl3pPr>
+            <a:lvl4pPr marL="1600200" indent="-228600" algn="l" defTabSz="914400" rtl="0" eaLnBrk="1" latinLnBrk="0" hangingPunct="1">
+              <a:lnSpc>
+                <a:spcPct val="120000"/>
+              </a:lnSpc>
+              <a:spcBef>
+                <a:spcPts val="500"/>
+              </a:spcBef>
+              <a:buFont typeface="Arial" panose="020B0604020202020204" pitchFamily="34" charset="0"/>
+              <a:buChar char="•"/>
+              <a:defRPr sz="1400" kern="1200">
+                <a:solidFill>
+                  <a:schemeClr val="tx1"/>
+                </a:solidFill>
+                <a:latin typeface="+mn-lt"/>
+                <a:ea typeface="+mn-ea"/>
+                <a:cs typeface="+mn-cs"/>
+              </a:defRPr>
+            </a:lvl4pPr>
+            <a:lvl5pPr marL="2057400" indent="-228600" algn="l" defTabSz="914400" rtl="0" eaLnBrk="1" latinLnBrk="0" hangingPunct="1">
+              <a:lnSpc>
+                <a:spcPct val="120000"/>
+              </a:lnSpc>
+              <a:spcBef>
+                <a:spcPts val="500"/>
+              </a:spcBef>
+              <a:buFont typeface="Arial" panose="020B0604020202020204" pitchFamily="34" charset="0"/>
+              <a:buChar char="•"/>
+              <a:defRPr sz="1400" kern="1200">
+                <a:solidFill>
+                  <a:schemeClr val="tx1"/>
+                </a:solidFill>
+                <a:latin typeface="+mn-lt"/>
+                <a:ea typeface="+mn-ea"/>
+                <a:cs typeface="+mn-cs"/>
+              </a:defRPr>
+            </a:lvl5pPr>
+            <a:lvl6pPr marL="2514600" indent="-228600" algn="l" defTabSz="914400" rtl="0" eaLnBrk="1" latinLnBrk="0" hangingPunct="1">
+              <a:lnSpc>
+                <a:spcPct val="90000"/>
+              </a:lnSpc>
+              <a:spcBef>
+                <a:spcPts val="500"/>
+              </a:spcBef>
+              <a:buFont typeface="Arial" panose="020B0604020202020204" pitchFamily="34" charset="0"/>
+              <a:buChar char="•"/>
+              <a:defRPr sz="1800" kern="1200">
+                <a:solidFill>
+                  <a:schemeClr val="tx1"/>
+                </a:solidFill>
+                <a:latin typeface="+mn-lt"/>
+                <a:ea typeface="+mn-ea"/>
+                <a:cs typeface="+mn-cs"/>
+              </a:defRPr>
+            </a:lvl6pPr>
+            <a:lvl7pPr marL="2971800" indent="-228600" algn="l" defTabSz="914400" rtl="0" eaLnBrk="1" latinLnBrk="0" hangingPunct="1">
+              <a:lnSpc>
+                <a:spcPct val="90000"/>
+              </a:lnSpc>
+              <a:spcBef>
+                <a:spcPts val="500"/>
+              </a:spcBef>
+              <a:buFont typeface="Arial" panose="020B0604020202020204" pitchFamily="34" charset="0"/>
+              <a:buChar char="•"/>
+              <a:defRPr sz="1800" kern="1200">
+                <a:solidFill>
+                  <a:schemeClr val="tx1"/>
+                </a:solidFill>
+                <a:latin typeface="+mn-lt"/>
+                <a:ea typeface="+mn-ea"/>
+                <a:cs typeface="+mn-cs"/>
+              </a:defRPr>
+            </a:lvl7pPr>
+            <a:lvl8pPr marL="3429000" indent="-228600" algn="l" defTabSz="914400" rtl="0" eaLnBrk="1" latinLnBrk="0" hangingPunct="1">
+              <a:lnSpc>
+                <a:spcPct val="90000"/>
+              </a:lnSpc>
+              <a:spcBef>
+                <a:spcPts val="500"/>
+              </a:spcBef>
+              <a:buFont typeface="Arial" panose="020B0604020202020204" pitchFamily="34" charset="0"/>
+              <a:buChar char="•"/>
+              <a:defRPr sz="1800" kern="1200">
+                <a:solidFill>
+                  <a:schemeClr val="tx1"/>
+                </a:solidFill>
+                <a:latin typeface="+mn-lt"/>
+                <a:ea typeface="+mn-ea"/>
+                <a:cs typeface="+mn-cs"/>
+              </a:defRPr>
+            </a:lvl8pPr>
+            <a:lvl9pPr marL="3886200" indent="-228600" algn="l" defTabSz="914400" rtl="0" eaLnBrk="1" latinLnBrk="0" hangingPunct="1">
+              <a:lnSpc>
+                <a:spcPct val="90000"/>
+              </a:lnSpc>
+              <a:spcBef>
+                <a:spcPts val="500"/>
+              </a:spcBef>
+              <a:buFont typeface="Arial" panose="020B0604020202020204" pitchFamily="34" charset="0"/>
+              <a:buChar char="•"/>
+              <a:defRPr sz="1800" kern="1200">
+                <a:solidFill>
+                  <a:schemeClr val="tx1"/>
+                </a:solidFill>
+                <a:latin typeface="+mn-lt"/>
+                <a:ea typeface="+mn-ea"/>
+                <a:cs typeface="+mn-cs"/>
+              </a:defRPr>
+            </a:lvl9pPr>
+          </a:lstStyle>
+          <a:p>
+            <a:pPr marL="0" indent="0">
+              <a:buFont typeface="Arial" panose="020B0604020202020204" pitchFamily="34" charset="0"/>
+              <a:buNone/>
+            </a:pPr>
+            <a:r>
+              <a:rPr lang="en-US" dirty="0"/>
+              <a:t>=&gt;</a:t>
+            </a:r>
+          </a:p>
+        </p:txBody>
+      </p:sp>
+      <p:sp>
+        <p:nvSpPr>
+          <p:cNvPr id="10" name="Content Placeholder 2">
+            <a:extLst>
+              <a:ext uri="{FF2B5EF4-FFF2-40B4-BE49-F238E27FC236}">
+                <a16:creationId xmlns:a16="http://schemas.microsoft.com/office/drawing/2014/main" id="{7300C5F2-E529-CDB1-2DC2-2A1E2CDCEDC4}"/>
+              </a:ext>
+            </a:extLst>
+          </p:cNvPr>
+          <p:cNvSpPr>
+            <a:spLocks noGrp="1"/>
+          </p:cNvSpPr>
+          <p:nvPr>
+            <p:ph idx="1"/>
+          </p:nvPr>
+        </p:nvSpPr>
+        <p:spPr>
+          <a:xfrm>
+            <a:off x="5558038" y="5593444"/>
+            <a:ext cx="1512066" cy="565362"/>
+          </a:xfrm>
+        </p:spPr>
+        <p:txBody>
+          <a:bodyPr/>
+          <a:lstStyle/>
+          <a:p>
+            <a:pPr marL="0" indent="0">
+              <a:buNone/>
+            </a:pPr>
+            <a:r>
+              <a:rPr lang="en-US" dirty="0"/>
+              <a:t>Example 12</a:t>
+            </a:r>
+          </a:p>
+          <a:p>
+            <a:pPr marL="0" indent="0">
+              <a:buNone/>
+            </a:pPr>
+            <a:endParaRPr lang="en-US" dirty="0"/>
+          </a:p>
+        </p:txBody>
+      </p:sp>
+      <p:pic>
+        <p:nvPicPr>
+          <p:cNvPr id="5" name="Picture 4">
+            <a:extLst>
+              <a:ext uri="{FF2B5EF4-FFF2-40B4-BE49-F238E27FC236}">
+                <a16:creationId xmlns:a16="http://schemas.microsoft.com/office/drawing/2014/main" id="{76618BC4-B7CE-4FB4-1130-7EAC46D26D23}"/>
+              </a:ext>
+            </a:extLst>
+          </p:cNvPr>
+          <p:cNvPicPr>
+            <a:picLocks noChangeAspect="1"/>
+          </p:cNvPicPr>
+          <p:nvPr/>
+        </p:nvPicPr>
+        <p:blipFill>
+          <a:blip r:embed="rId2">
+            <a:extLst>
+              <a:ext uri="{28A0092B-C50C-407E-A947-70E740481C1C}">
+                <a14:useLocalDpi xmlns:a14="http://schemas.microsoft.com/office/drawing/2010/main" val="0"/>
+              </a:ext>
+            </a:extLst>
+          </a:blip>
+          <a:stretch>
+            <a:fillRect/>
+          </a:stretch>
+        </p:blipFill>
+        <p:spPr>
+          <a:xfrm>
+            <a:off x="704997" y="1718733"/>
+            <a:ext cx="4692416" cy="3437467"/>
+          </a:xfrm>
+          <a:prstGeom prst="rect">
+            <a:avLst/>
+          </a:prstGeom>
+        </p:spPr>
+      </p:pic>
+      <p:sp>
+        <p:nvSpPr>
+          <p:cNvPr id="7" name="TextBox 6">
+            <a:extLst>
+              <a:ext uri="{FF2B5EF4-FFF2-40B4-BE49-F238E27FC236}">
+                <a16:creationId xmlns:a16="http://schemas.microsoft.com/office/drawing/2014/main" id="{3DBE9CDD-C418-FFE1-1FAA-C6F78132D1EC}"/>
               </a:ext>
             </a:extLst>
           </p:cNvPr>
@@ -9792,7 +10750,7 @@
         </p:nvSpPr>
         <p:spPr>
           <a:xfrm>
-            <a:off x="6978192" y="3328012"/>
+            <a:off x="6384953" y="2108460"/>
             <a:ext cx="6094428" cy="369332"/>
           </a:xfrm>
           <a:prstGeom prst="rect">
@@ -9815,17 +10773,17 @@
                 <a:effectLst/>
                 <a:latin typeface="Optimistic Display"/>
               </a:rPr>
-              <a:t>Passing no dependency array:</a:t>
-            </a:r>
-          </a:p>
-        </p:txBody>
-      </p:sp>
-      <p:sp>
-        <p:nvSpPr>
-          <p:cNvPr id="14" name="TextBox 13">
-            <a:extLst>
-              <a:ext uri="{FF2B5EF4-FFF2-40B4-BE49-F238E27FC236}">
-                <a16:creationId xmlns:a16="http://schemas.microsoft.com/office/drawing/2014/main" id="{E3ED824E-6E9A-11ED-9C25-90C075DF5DC7}"/>
+              <a:t>Passing a dependency array</a:t>
+            </a:r>
+          </a:p>
+        </p:txBody>
+      </p:sp>
+      <p:sp>
+        <p:nvSpPr>
+          <p:cNvPr id="8" name="TextBox 7">
+            <a:extLst>
+              <a:ext uri="{FF2B5EF4-FFF2-40B4-BE49-F238E27FC236}">
+                <a16:creationId xmlns:a16="http://schemas.microsoft.com/office/drawing/2014/main" id="{B165CA37-F8AB-A7AD-3579-B010DBAAC5DE}"/>
               </a:ext>
             </a:extLst>
           </p:cNvPr>
@@ -9834,8 +10792,8 @@
         </p:nvSpPr>
         <p:spPr>
           <a:xfrm>
-            <a:off x="7051250" y="3774579"/>
-            <a:ext cx="4340650" cy="646331"/>
+            <a:off x="6384953" y="2575807"/>
+            <a:ext cx="4340650" cy="923330"/>
           </a:xfrm>
           <a:prstGeom prst="rect">
             <a:avLst/>
@@ -9866,17 +10824,27 @@
                 <a:effectLst/>
                 <a:latin typeface="Optimistic Text"/>
               </a:rPr>
-              <a:t>after every single render (and re-render)</a:t>
-            </a:r>
-            <a:r>
-              <a:rPr lang="en-US" b="0" i="0" dirty="0">
+              <a:t>after the initial render </a:t>
+            </a:r>
+            <a:r>
+              <a:rPr lang="en-US" b="1" i="1" dirty="0">
                 <a:solidFill>
                   <a:srgbClr val="23272F"/>
                 </a:solidFill>
                 <a:effectLst/>
                 <a:latin typeface="Optimistic Text"/>
               </a:rPr>
-              <a:t> of component.</a:t>
+              <a:t>and</a:t>
+            </a:r>
+            <a:r>
+              <a:rPr lang="en-US" b="1" i="0" dirty="0">
+                <a:solidFill>
+                  <a:srgbClr val="23272F"/>
+                </a:solidFill>
+                <a:effectLst/>
+                <a:latin typeface="Optimistic Text"/>
+              </a:rPr>
+              <a:t> after re-renders with changed dependencies</a:t>
             </a:r>
             <a:endParaRPr lang="en-US" dirty="0"/>
           </a:p>
@@ -9885,20 +10853,880 @@
     </p:spTree>
     <p:extLst>
       <p:ext uri="{BB962C8B-B14F-4D97-AF65-F5344CB8AC3E}">
-        <p14:creationId xmlns:p14="http://schemas.microsoft.com/office/powerpoint/2010/main" val="4280026893"/>
+        <p14:creationId xmlns:p14="http://schemas.microsoft.com/office/powerpoint/2010/main" val="3808913247"/>
       </p:ext>
     </p:extLst>
   </p:cSld>
   <p:clrMapOvr>
     <a:masterClrMapping/>
   </p:clrMapOvr>
-  <mc:AlternateContent xmlns:mc="http://schemas.openxmlformats.org/markup-compatibility/2006">
-    <mc:Choice xmlns:p14="http://schemas.microsoft.com/office/powerpoint/2010/main" Requires="p14">
+  <mc:AlternateContent xmlns:mc="http://schemas.openxmlformats.org/markup-compatibility/2006" xmlns:p14="http://schemas.microsoft.com/office/powerpoint/2010/main">
+    <mc:Choice Requires="p14">
       <p:transition spd="slow" p14:dur="1500">
         <p:split orient="vert"/>
       </p:transition>
     </mc:Choice>
-    <mc:Fallback>
+    <mc:Fallback xmlns="">
+      <p:transition spd="slow">
+        <p:split orient="vert"/>
+      </p:transition>
+    </mc:Fallback>
+  </mc:AlternateContent>
+</p:sld>
+</file>
+
+<file path=ppt/slides/slide23.xml><?xml version="1.0" encoding="utf-8"?>
+<p:sld xmlns:a="http://schemas.openxmlformats.org/drawingml/2006/main" xmlns:r="http://schemas.openxmlformats.org/officeDocument/2006/relationships" xmlns:p="http://schemas.openxmlformats.org/presentationml/2006/main">
+  <p:cSld>
+    <p:spTree>
+      <p:nvGrpSpPr>
+        <p:cNvPr id="1" name=""/>
+        <p:cNvGrpSpPr/>
+        <p:nvPr/>
+      </p:nvGrpSpPr>
+      <p:grpSpPr>
+        <a:xfrm>
+          <a:off x="0" y="0"/>
+          <a:ext cx="0" cy="0"/>
+          <a:chOff x="0" y="0"/>
+          <a:chExt cx="0" cy="0"/>
+        </a:xfrm>
+      </p:grpSpPr>
+      <p:sp>
+        <p:nvSpPr>
+          <p:cNvPr id="2" name="Title 1">
+            <a:extLst>
+              <a:ext uri="{FF2B5EF4-FFF2-40B4-BE49-F238E27FC236}">
+                <a16:creationId xmlns:a16="http://schemas.microsoft.com/office/drawing/2014/main" id="{6D943677-26E4-8255-C3CB-6C5E89CFFE20}"/>
+              </a:ext>
+            </a:extLst>
+          </p:cNvPr>
+          <p:cNvSpPr>
+            <a:spLocks noGrp="1"/>
+          </p:cNvSpPr>
+          <p:nvPr>
+            <p:ph type="title"/>
+          </p:nvPr>
+        </p:nvSpPr>
+        <p:spPr/>
+        <p:txBody>
+          <a:bodyPr/>
+          <a:lstStyle/>
+          <a:p>
+            <a:r>
+              <a:rPr lang="en-US" cap="none" dirty="0" err="1"/>
+              <a:t>useEffect</a:t>
+            </a:r>
+            <a:endParaRPr lang="en-US" dirty="0"/>
+          </a:p>
+        </p:txBody>
+      </p:sp>
+      <p:sp>
+        <p:nvSpPr>
+          <p:cNvPr id="6" name="Content Placeholder 2">
+            <a:extLst>
+              <a:ext uri="{FF2B5EF4-FFF2-40B4-BE49-F238E27FC236}">
+                <a16:creationId xmlns:a16="http://schemas.microsoft.com/office/drawing/2014/main" id="{BC5D16A0-D81B-D4C5-ADF2-0BD6D24B78EE}"/>
+              </a:ext>
+            </a:extLst>
+          </p:cNvPr>
+          <p:cNvSpPr txBox="1">
+            <a:spLocks/>
+          </p:cNvSpPr>
+          <p:nvPr/>
+        </p:nvSpPr>
+        <p:spPr>
+          <a:xfrm>
+            <a:off x="5479328" y="2293126"/>
+            <a:ext cx="1811250" cy="565362"/>
+          </a:xfrm>
+          <a:prstGeom prst="rect">
+            <a:avLst/>
+          </a:prstGeom>
+        </p:spPr>
+        <p:txBody>
+          <a:bodyPr vert="horz" lIns="91440" tIns="45720" rIns="91440" bIns="45720" rtlCol="0">
+            <a:normAutofit/>
+          </a:bodyPr>
+          <a:lstStyle>
+            <a:lvl1pPr marL="228600" indent="-228600" algn="l" defTabSz="914400" rtl="0" eaLnBrk="1" latinLnBrk="0" hangingPunct="1">
+              <a:lnSpc>
+                <a:spcPct val="120000"/>
+              </a:lnSpc>
+              <a:spcBef>
+                <a:spcPts val="1000"/>
+              </a:spcBef>
+              <a:buFont typeface="Arial" panose="020B0604020202020204" pitchFamily="34" charset="0"/>
+              <a:buChar char="•"/>
+              <a:defRPr sz="2000" kern="1200">
+                <a:solidFill>
+                  <a:schemeClr val="tx1"/>
+                </a:solidFill>
+                <a:latin typeface="+mn-lt"/>
+                <a:ea typeface="+mn-ea"/>
+                <a:cs typeface="+mn-cs"/>
+              </a:defRPr>
+            </a:lvl1pPr>
+            <a:lvl2pPr marL="685800" indent="-228600" algn="l" defTabSz="914400" rtl="0" eaLnBrk="1" latinLnBrk="0" hangingPunct="1">
+              <a:lnSpc>
+                <a:spcPct val="120000"/>
+              </a:lnSpc>
+              <a:spcBef>
+                <a:spcPts val="500"/>
+              </a:spcBef>
+              <a:buFont typeface="Arial" panose="020B0604020202020204" pitchFamily="34" charset="0"/>
+              <a:buChar char="•"/>
+              <a:defRPr sz="1800" kern="1200">
+                <a:solidFill>
+                  <a:schemeClr val="tx1"/>
+                </a:solidFill>
+                <a:latin typeface="+mn-lt"/>
+                <a:ea typeface="+mn-ea"/>
+                <a:cs typeface="+mn-cs"/>
+              </a:defRPr>
+            </a:lvl2pPr>
+            <a:lvl3pPr marL="1143000" indent="-228600" algn="l" defTabSz="914400" rtl="0" eaLnBrk="1" latinLnBrk="0" hangingPunct="1">
+              <a:lnSpc>
+                <a:spcPct val="120000"/>
+              </a:lnSpc>
+              <a:spcBef>
+                <a:spcPts val="500"/>
+              </a:spcBef>
+              <a:buFont typeface="Arial" panose="020B0604020202020204" pitchFamily="34" charset="0"/>
+              <a:buChar char="•"/>
+              <a:defRPr sz="1600" kern="1200">
+                <a:solidFill>
+                  <a:schemeClr val="tx1"/>
+                </a:solidFill>
+                <a:latin typeface="+mn-lt"/>
+                <a:ea typeface="+mn-ea"/>
+                <a:cs typeface="+mn-cs"/>
+              </a:defRPr>
+            </a:lvl3pPr>
+            <a:lvl4pPr marL="1600200" indent="-228600" algn="l" defTabSz="914400" rtl="0" eaLnBrk="1" latinLnBrk="0" hangingPunct="1">
+              <a:lnSpc>
+                <a:spcPct val="120000"/>
+              </a:lnSpc>
+              <a:spcBef>
+                <a:spcPts val="500"/>
+              </a:spcBef>
+              <a:buFont typeface="Arial" panose="020B0604020202020204" pitchFamily="34" charset="0"/>
+              <a:buChar char="•"/>
+              <a:defRPr sz="1400" kern="1200">
+                <a:solidFill>
+                  <a:schemeClr val="tx1"/>
+                </a:solidFill>
+                <a:latin typeface="+mn-lt"/>
+                <a:ea typeface="+mn-ea"/>
+                <a:cs typeface="+mn-cs"/>
+              </a:defRPr>
+            </a:lvl4pPr>
+            <a:lvl5pPr marL="2057400" indent="-228600" algn="l" defTabSz="914400" rtl="0" eaLnBrk="1" latinLnBrk="0" hangingPunct="1">
+              <a:lnSpc>
+                <a:spcPct val="120000"/>
+              </a:lnSpc>
+              <a:spcBef>
+                <a:spcPts val="500"/>
+              </a:spcBef>
+              <a:buFont typeface="Arial" panose="020B0604020202020204" pitchFamily="34" charset="0"/>
+              <a:buChar char="•"/>
+              <a:defRPr sz="1400" kern="1200">
+                <a:solidFill>
+                  <a:schemeClr val="tx1"/>
+                </a:solidFill>
+                <a:latin typeface="+mn-lt"/>
+                <a:ea typeface="+mn-ea"/>
+                <a:cs typeface="+mn-cs"/>
+              </a:defRPr>
+            </a:lvl5pPr>
+            <a:lvl6pPr marL="2514600" indent="-228600" algn="l" defTabSz="914400" rtl="0" eaLnBrk="1" latinLnBrk="0" hangingPunct="1">
+              <a:lnSpc>
+                <a:spcPct val="90000"/>
+              </a:lnSpc>
+              <a:spcBef>
+                <a:spcPts val="500"/>
+              </a:spcBef>
+              <a:buFont typeface="Arial" panose="020B0604020202020204" pitchFamily="34" charset="0"/>
+              <a:buChar char="•"/>
+              <a:defRPr sz="1800" kern="1200">
+                <a:solidFill>
+                  <a:schemeClr val="tx1"/>
+                </a:solidFill>
+                <a:latin typeface="+mn-lt"/>
+                <a:ea typeface="+mn-ea"/>
+                <a:cs typeface="+mn-cs"/>
+              </a:defRPr>
+            </a:lvl6pPr>
+            <a:lvl7pPr marL="2971800" indent="-228600" algn="l" defTabSz="914400" rtl="0" eaLnBrk="1" latinLnBrk="0" hangingPunct="1">
+              <a:lnSpc>
+                <a:spcPct val="90000"/>
+              </a:lnSpc>
+              <a:spcBef>
+                <a:spcPts val="500"/>
+              </a:spcBef>
+              <a:buFont typeface="Arial" panose="020B0604020202020204" pitchFamily="34" charset="0"/>
+              <a:buChar char="•"/>
+              <a:defRPr sz="1800" kern="1200">
+                <a:solidFill>
+                  <a:schemeClr val="tx1"/>
+                </a:solidFill>
+                <a:latin typeface="+mn-lt"/>
+                <a:ea typeface="+mn-ea"/>
+                <a:cs typeface="+mn-cs"/>
+              </a:defRPr>
+            </a:lvl7pPr>
+            <a:lvl8pPr marL="3429000" indent="-228600" algn="l" defTabSz="914400" rtl="0" eaLnBrk="1" latinLnBrk="0" hangingPunct="1">
+              <a:lnSpc>
+                <a:spcPct val="90000"/>
+              </a:lnSpc>
+              <a:spcBef>
+                <a:spcPts val="500"/>
+              </a:spcBef>
+              <a:buFont typeface="Arial" panose="020B0604020202020204" pitchFamily="34" charset="0"/>
+              <a:buChar char="•"/>
+              <a:defRPr sz="1800" kern="1200">
+                <a:solidFill>
+                  <a:schemeClr val="tx1"/>
+                </a:solidFill>
+                <a:latin typeface="+mn-lt"/>
+                <a:ea typeface="+mn-ea"/>
+                <a:cs typeface="+mn-cs"/>
+              </a:defRPr>
+            </a:lvl8pPr>
+            <a:lvl9pPr marL="3886200" indent="-228600" algn="l" defTabSz="914400" rtl="0" eaLnBrk="1" latinLnBrk="0" hangingPunct="1">
+              <a:lnSpc>
+                <a:spcPct val="90000"/>
+              </a:lnSpc>
+              <a:spcBef>
+                <a:spcPts val="500"/>
+              </a:spcBef>
+              <a:buFont typeface="Arial" panose="020B0604020202020204" pitchFamily="34" charset="0"/>
+              <a:buChar char="•"/>
+              <a:defRPr sz="1800" kern="1200">
+                <a:solidFill>
+                  <a:schemeClr val="tx1"/>
+                </a:solidFill>
+                <a:latin typeface="+mn-lt"/>
+                <a:ea typeface="+mn-ea"/>
+                <a:cs typeface="+mn-cs"/>
+              </a:defRPr>
+            </a:lvl9pPr>
+          </a:lstStyle>
+          <a:p>
+            <a:pPr marL="0" indent="0">
+              <a:buFont typeface="Arial" panose="020B0604020202020204" pitchFamily="34" charset="0"/>
+              <a:buNone/>
+            </a:pPr>
+            <a:r>
+              <a:rPr lang="en-US" dirty="0"/>
+              <a:t>=&gt;</a:t>
+            </a:r>
+          </a:p>
+        </p:txBody>
+      </p:sp>
+      <p:sp>
+        <p:nvSpPr>
+          <p:cNvPr id="10" name="Content Placeholder 2">
+            <a:extLst>
+              <a:ext uri="{FF2B5EF4-FFF2-40B4-BE49-F238E27FC236}">
+                <a16:creationId xmlns:a16="http://schemas.microsoft.com/office/drawing/2014/main" id="{7300C5F2-E529-CDB1-2DC2-2A1E2CDCEDC4}"/>
+              </a:ext>
+            </a:extLst>
+          </p:cNvPr>
+          <p:cNvSpPr>
+            <a:spLocks noGrp="1"/>
+          </p:cNvSpPr>
+          <p:nvPr>
+            <p:ph idx="1"/>
+          </p:nvPr>
+        </p:nvSpPr>
+        <p:spPr>
+          <a:xfrm>
+            <a:off x="5558038" y="5593444"/>
+            <a:ext cx="1512066" cy="565362"/>
+          </a:xfrm>
+        </p:spPr>
+        <p:txBody>
+          <a:bodyPr/>
+          <a:lstStyle/>
+          <a:p>
+            <a:pPr marL="0" indent="0">
+              <a:buNone/>
+            </a:pPr>
+            <a:r>
+              <a:rPr lang="en-US" dirty="0"/>
+              <a:t>Example 12</a:t>
+            </a:r>
+          </a:p>
+          <a:p>
+            <a:pPr marL="0" indent="0">
+              <a:buNone/>
+            </a:pPr>
+            <a:endParaRPr lang="en-US" dirty="0"/>
+          </a:p>
+        </p:txBody>
+      </p:sp>
+      <p:pic>
+        <p:nvPicPr>
+          <p:cNvPr id="5" name="Picture 4">
+            <a:extLst>
+              <a:ext uri="{FF2B5EF4-FFF2-40B4-BE49-F238E27FC236}">
+                <a16:creationId xmlns:a16="http://schemas.microsoft.com/office/drawing/2014/main" id="{76618BC4-B7CE-4FB4-1130-7EAC46D26D23}"/>
+              </a:ext>
+            </a:extLst>
+          </p:cNvPr>
+          <p:cNvPicPr>
+            <a:picLocks noChangeAspect="1"/>
+          </p:cNvPicPr>
+          <p:nvPr/>
+        </p:nvPicPr>
+        <p:blipFill>
+          <a:blip r:embed="rId2">
+            <a:extLst>
+              <a:ext uri="{28A0092B-C50C-407E-A947-70E740481C1C}">
+                <a14:useLocalDpi xmlns:a14="http://schemas.microsoft.com/office/drawing/2010/main" val="0"/>
+              </a:ext>
+            </a:extLst>
+          </a:blip>
+          <a:stretch>
+            <a:fillRect/>
+          </a:stretch>
+        </p:blipFill>
+        <p:spPr>
+          <a:xfrm>
+            <a:off x="704997" y="1718733"/>
+            <a:ext cx="4692416" cy="3437467"/>
+          </a:xfrm>
+          <a:prstGeom prst="rect">
+            <a:avLst/>
+          </a:prstGeom>
+        </p:spPr>
+      </p:pic>
+      <p:sp>
+        <p:nvSpPr>
+          <p:cNvPr id="7" name="TextBox 6">
+            <a:extLst>
+              <a:ext uri="{FF2B5EF4-FFF2-40B4-BE49-F238E27FC236}">
+                <a16:creationId xmlns:a16="http://schemas.microsoft.com/office/drawing/2014/main" id="{3DBE9CDD-C418-FFE1-1FAA-C6F78132D1EC}"/>
+              </a:ext>
+            </a:extLst>
+          </p:cNvPr>
+          <p:cNvSpPr txBox="1"/>
+          <p:nvPr/>
+        </p:nvSpPr>
+        <p:spPr>
+          <a:xfrm>
+            <a:off x="6384953" y="2108460"/>
+            <a:ext cx="6094428" cy="369332"/>
+          </a:xfrm>
+          <a:prstGeom prst="rect">
+            <a:avLst/>
+          </a:prstGeom>
+          <a:noFill/>
+        </p:spPr>
+        <p:txBody>
+          <a:bodyPr wrap="square">
+            <a:spAutoFit/>
+          </a:bodyPr>
+          <a:lstStyle/>
+          <a:p>
+            <a:pPr algn="l"/>
+            <a:r>
+              <a:rPr lang="en-US" b="0" i="0" dirty="0">
+                <a:solidFill>
+                  <a:srgbClr val="23272F"/>
+                </a:solidFill>
+                <a:effectLst/>
+                <a:latin typeface="Optimistic Display"/>
+              </a:rPr>
+              <a:t>Passing a dependency array</a:t>
+            </a:r>
+          </a:p>
+        </p:txBody>
+      </p:sp>
+      <p:sp>
+        <p:nvSpPr>
+          <p:cNvPr id="8" name="TextBox 7">
+            <a:extLst>
+              <a:ext uri="{FF2B5EF4-FFF2-40B4-BE49-F238E27FC236}">
+                <a16:creationId xmlns:a16="http://schemas.microsoft.com/office/drawing/2014/main" id="{B165CA37-F8AB-A7AD-3579-B010DBAAC5DE}"/>
+              </a:ext>
+            </a:extLst>
+          </p:cNvPr>
+          <p:cNvSpPr txBox="1"/>
+          <p:nvPr/>
+        </p:nvSpPr>
+        <p:spPr>
+          <a:xfrm>
+            <a:off x="6384953" y="2575807"/>
+            <a:ext cx="4340650" cy="923330"/>
+          </a:xfrm>
+          <a:prstGeom prst="rect">
+            <a:avLst/>
+          </a:prstGeom>
+          <a:noFill/>
+        </p:spPr>
+        <p:txBody>
+          <a:bodyPr wrap="square">
+            <a:spAutoFit/>
+          </a:bodyPr>
+          <a:lstStyle/>
+          <a:p>
+            <a:r>
+              <a:rPr lang="en-US" b="0" i="0" dirty="0">
+                <a:solidFill>
+                  <a:srgbClr val="23272F"/>
+                </a:solidFill>
+                <a:effectLst/>
+                <a:latin typeface="Optimistic Text"/>
+              </a:rPr>
+              <a:t>=&gt; Effect runs </a:t>
+            </a:r>
+            <a:r>
+              <a:rPr lang="en-US" b="1" i="0" dirty="0">
+                <a:solidFill>
+                  <a:srgbClr val="23272F"/>
+                </a:solidFill>
+                <a:effectLst/>
+                <a:latin typeface="Optimistic Text"/>
+              </a:rPr>
+              <a:t>after the initial render </a:t>
+            </a:r>
+            <a:r>
+              <a:rPr lang="en-US" b="1" i="1" dirty="0">
+                <a:solidFill>
+                  <a:srgbClr val="23272F"/>
+                </a:solidFill>
+                <a:effectLst/>
+                <a:latin typeface="Optimistic Text"/>
+              </a:rPr>
+              <a:t>and</a:t>
+            </a:r>
+            <a:r>
+              <a:rPr lang="en-US" b="1" i="0" dirty="0">
+                <a:solidFill>
+                  <a:srgbClr val="23272F"/>
+                </a:solidFill>
+                <a:effectLst/>
+                <a:latin typeface="Optimistic Text"/>
+              </a:rPr>
+              <a:t> after re-renders with changed dependencies</a:t>
+            </a:r>
+            <a:endParaRPr lang="en-US" dirty="0"/>
+          </a:p>
+        </p:txBody>
+      </p:sp>
+    </p:spTree>
+    <p:extLst>
+      <p:ext uri="{BB962C8B-B14F-4D97-AF65-F5344CB8AC3E}">
+        <p14:creationId xmlns:p14="http://schemas.microsoft.com/office/powerpoint/2010/main" val="4023765726"/>
+      </p:ext>
+    </p:extLst>
+  </p:cSld>
+  <p:clrMapOvr>
+    <a:masterClrMapping/>
+  </p:clrMapOvr>
+  <mc:AlternateContent xmlns:mc="http://schemas.openxmlformats.org/markup-compatibility/2006" xmlns:p14="http://schemas.microsoft.com/office/powerpoint/2010/main">
+    <mc:Choice Requires="p14">
+      <p:transition spd="slow" p14:dur="1500">
+        <p:split orient="vert"/>
+      </p:transition>
+    </mc:Choice>
+    <mc:Fallback xmlns="">
+      <p:transition spd="slow">
+        <p:split orient="vert"/>
+      </p:transition>
+    </mc:Fallback>
+  </mc:AlternateContent>
+</p:sld>
+</file>
+
+<file path=ppt/slides/slide24.xml><?xml version="1.0" encoding="utf-8"?>
+<p:sld xmlns:a="http://schemas.openxmlformats.org/drawingml/2006/main" xmlns:r="http://schemas.openxmlformats.org/officeDocument/2006/relationships" xmlns:p="http://schemas.openxmlformats.org/presentationml/2006/main">
+  <p:cSld>
+    <p:spTree>
+      <p:nvGrpSpPr>
+        <p:cNvPr id="1" name=""/>
+        <p:cNvGrpSpPr/>
+        <p:nvPr/>
+      </p:nvGrpSpPr>
+      <p:grpSpPr>
+        <a:xfrm>
+          <a:off x="0" y="0"/>
+          <a:ext cx="0" cy="0"/>
+          <a:chOff x="0" y="0"/>
+          <a:chExt cx="0" cy="0"/>
+        </a:xfrm>
+      </p:grpSpPr>
+      <p:sp>
+        <p:nvSpPr>
+          <p:cNvPr id="2" name="Title 1">
+            <a:extLst>
+              <a:ext uri="{FF2B5EF4-FFF2-40B4-BE49-F238E27FC236}">
+                <a16:creationId xmlns:a16="http://schemas.microsoft.com/office/drawing/2014/main" id="{6D943677-26E4-8255-C3CB-6C5E89CFFE20}"/>
+              </a:ext>
+            </a:extLst>
+          </p:cNvPr>
+          <p:cNvSpPr>
+            <a:spLocks noGrp="1"/>
+          </p:cNvSpPr>
+          <p:nvPr>
+            <p:ph type="title"/>
+          </p:nvPr>
+        </p:nvSpPr>
+        <p:spPr/>
+        <p:txBody>
+          <a:bodyPr/>
+          <a:lstStyle/>
+          <a:p>
+            <a:r>
+              <a:rPr lang="en-US" cap="none" dirty="0" err="1"/>
+              <a:t>useEffect</a:t>
+            </a:r>
+            <a:endParaRPr lang="en-US" dirty="0"/>
+          </a:p>
+        </p:txBody>
+      </p:sp>
+      <p:sp>
+        <p:nvSpPr>
+          <p:cNvPr id="6" name="Content Placeholder 2">
+            <a:extLst>
+              <a:ext uri="{FF2B5EF4-FFF2-40B4-BE49-F238E27FC236}">
+                <a16:creationId xmlns:a16="http://schemas.microsoft.com/office/drawing/2014/main" id="{BC5D16A0-D81B-D4C5-ADF2-0BD6D24B78EE}"/>
+              </a:ext>
+            </a:extLst>
+          </p:cNvPr>
+          <p:cNvSpPr txBox="1">
+            <a:spLocks/>
+          </p:cNvSpPr>
+          <p:nvPr/>
+        </p:nvSpPr>
+        <p:spPr>
+          <a:xfrm>
+            <a:off x="5479328" y="2293126"/>
+            <a:ext cx="1811250" cy="565362"/>
+          </a:xfrm>
+          <a:prstGeom prst="rect">
+            <a:avLst/>
+          </a:prstGeom>
+        </p:spPr>
+        <p:txBody>
+          <a:bodyPr vert="horz" lIns="91440" tIns="45720" rIns="91440" bIns="45720" rtlCol="0">
+            <a:normAutofit/>
+          </a:bodyPr>
+          <a:lstStyle>
+            <a:lvl1pPr marL="228600" indent="-228600" algn="l" defTabSz="914400" rtl="0" eaLnBrk="1" latinLnBrk="0" hangingPunct="1">
+              <a:lnSpc>
+                <a:spcPct val="120000"/>
+              </a:lnSpc>
+              <a:spcBef>
+                <a:spcPts val="1000"/>
+              </a:spcBef>
+              <a:buFont typeface="Arial" panose="020B0604020202020204" pitchFamily="34" charset="0"/>
+              <a:buChar char="•"/>
+              <a:defRPr sz="2000" kern="1200">
+                <a:solidFill>
+                  <a:schemeClr val="tx1"/>
+                </a:solidFill>
+                <a:latin typeface="+mn-lt"/>
+                <a:ea typeface="+mn-ea"/>
+                <a:cs typeface="+mn-cs"/>
+              </a:defRPr>
+            </a:lvl1pPr>
+            <a:lvl2pPr marL="685800" indent="-228600" algn="l" defTabSz="914400" rtl="0" eaLnBrk="1" latinLnBrk="0" hangingPunct="1">
+              <a:lnSpc>
+                <a:spcPct val="120000"/>
+              </a:lnSpc>
+              <a:spcBef>
+                <a:spcPts val="500"/>
+              </a:spcBef>
+              <a:buFont typeface="Arial" panose="020B0604020202020204" pitchFamily="34" charset="0"/>
+              <a:buChar char="•"/>
+              <a:defRPr sz="1800" kern="1200">
+                <a:solidFill>
+                  <a:schemeClr val="tx1"/>
+                </a:solidFill>
+                <a:latin typeface="+mn-lt"/>
+                <a:ea typeface="+mn-ea"/>
+                <a:cs typeface="+mn-cs"/>
+              </a:defRPr>
+            </a:lvl2pPr>
+            <a:lvl3pPr marL="1143000" indent="-228600" algn="l" defTabSz="914400" rtl="0" eaLnBrk="1" latinLnBrk="0" hangingPunct="1">
+              <a:lnSpc>
+                <a:spcPct val="120000"/>
+              </a:lnSpc>
+              <a:spcBef>
+                <a:spcPts val="500"/>
+              </a:spcBef>
+              <a:buFont typeface="Arial" panose="020B0604020202020204" pitchFamily="34" charset="0"/>
+              <a:buChar char="•"/>
+              <a:defRPr sz="1600" kern="1200">
+                <a:solidFill>
+                  <a:schemeClr val="tx1"/>
+                </a:solidFill>
+                <a:latin typeface="+mn-lt"/>
+                <a:ea typeface="+mn-ea"/>
+                <a:cs typeface="+mn-cs"/>
+              </a:defRPr>
+            </a:lvl3pPr>
+            <a:lvl4pPr marL="1600200" indent="-228600" algn="l" defTabSz="914400" rtl="0" eaLnBrk="1" latinLnBrk="0" hangingPunct="1">
+              <a:lnSpc>
+                <a:spcPct val="120000"/>
+              </a:lnSpc>
+              <a:spcBef>
+                <a:spcPts val="500"/>
+              </a:spcBef>
+              <a:buFont typeface="Arial" panose="020B0604020202020204" pitchFamily="34" charset="0"/>
+              <a:buChar char="•"/>
+              <a:defRPr sz="1400" kern="1200">
+                <a:solidFill>
+                  <a:schemeClr val="tx1"/>
+                </a:solidFill>
+                <a:latin typeface="+mn-lt"/>
+                <a:ea typeface="+mn-ea"/>
+                <a:cs typeface="+mn-cs"/>
+              </a:defRPr>
+            </a:lvl4pPr>
+            <a:lvl5pPr marL="2057400" indent="-228600" algn="l" defTabSz="914400" rtl="0" eaLnBrk="1" latinLnBrk="0" hangingPunct="1">
+              <a:lnSpc>
+                <a:spcPct val="120000"/>
+              </a:lnSpc>
+              <a:spcBef>
+                <a:spcPts val="500"/>
+              </a:spcBef>
+              <a:buFont typeface="Arial" panose="020B0604020202020204" pitchFamily="34" charset="0"/>
+              <a:buChar char="•"/>
+              <a:defRPr sz="1400" kern="1200">
+                <a:solidFill>
+                  <a:schemeClr val="tx1"/>
+                </a:solidFill>
+                <a:latin typeface="+mn-lt"/>
+                <a:ea typeface="+mn-ea"/>
+                <a:cs typeface="+mn-cs"/>
+              </a:defRPr>
+            </a:lvl5pPr>
+            <a:lvl6pPr marL="2514600" indent="-228600" algn="l" defTabSz="914400" rtl="0" eaLnBrk="1" latinLnBrk="0" hangingPunct="1">
+              <a:lnSpc>
+                <a:spcPct val="90000"/>
+              </a:lnSpc>
+              <a:spcBef>
+                <a:spcPts val="500"/>
+              </a:spcBef>
+              <a:buFont typeface="Arial" panose="020B0604020202020204" pitchFamily="34" charset="0"/>
+              <a:buChar char="•"/>
+              <a:defRPr sz="1800" kern="1200">
+                <a:solidFill>
+                  <a:schemeClr val="tx1"/>
+                </a:solidFill>
+                <a:latin typeface="+mn-lt"/>
+                <a:ea typeface="+mn-ea"/>
+                <a:cs typeface="+mn-cs"/>
+              </a:defRPr>
+            </a:lvl6pPr>
+            <a:lvl7pPr marL="2971800" indent="-228600" algn="l" defTabSz="914400" rtl="0" eaLnBrk="1" latinLnBrk="0" hangingPunct="1">
+              <a:lnSpc>
+                <a:spcPct val="90000"/>
+              </a:lnSpc>
+              <a:spcBef>
+                <a:spcPts val="500"/>
+              </a:spcBef>
+              <a:buFont typeface="Arial" panose="020B0604020202020204" pitchFamily="34" charset="0"/>
+              <a:buChar char="•"/>
+              <a:defRPr sz="1800" kern="1200">
+                <a:solidFill>
+                  <a:schemeClr val="tx1"/>
+                </a:solidFill>
+                <a:latin typeface="+mn-lt"/>
+                <a:ea typeface="+mn-ea"/>
+                <a:cs typeface="+mn-cs"/>
+              </a:defRPr>
+            </a:lvl7pPr>
+            <a:lvl8pPr marL="3429000" indent="-228600" algn="l" defTabSz="914400" rtl="0" eaLnBrk="1" latinLnBrk="0" hangingPunct="1">
+              <a:lnSpc>
+                <a:spcPct val="90000"/>
+              </a:lnSpc>
+              <a:spcBef>
+                <a:spcPts val="500"/>
+              </a:spcBef>
+              <a:buFont typeface="Arial" panose="020B0604020202020204" pitchFamily="34" charset="0"/>
+              <a:buChar char="•"/>
+              <a:defRPr sz="1800" kern="1200">
+                <a:solidFill>
+                  <a:schemeClr val="tx1"/>
+                </a:solidFill>
+                <a:latin typeface="+mn-lt"/>
+                <a:ea typeface="+mn-ea"/>
+                <a:cs typeface="+mn-cs"/>
+              </a:defRPr>
+            </a:lvl8pPr>
+            <a:lvl9pPr marL="3886200" indent="-228600" algn="l" defTabSz="914400" rtl="0" eaLnBrk="1" latinLnBrk="0" hangingPunct="1">
+              <a:lnSpc>
+                <a:spcPct val="90000"/>
+              </a:lnSpc>
+              <a:spcBef>
+                <a:spcPts val="500"/>
+              </a:spcBef>
+              <a:buFont typeface="Arial" panose="020B0604020202020204" pitchFamily="34" charset="0"/>
+              <a:buChar char="•"/>
+              <a:defRPr sz="1800" kern="1200">
+                <a:solidFill>
+                  <a:schemeClr val="tx1"/>
+                </a:solidFill>
+                <a:latin typeface="+mn-lt"/>
+                <a:ea typeface="+mn-ea"/>
+                <a:cs typeface="+mn-cs"/>
+              </a:defRPr>
+            </a:lvl9pPr>
+          </a:lstStyle>
+          <a:p>
+            <a:pPr marL="0" indent="0">
+              <a:buFont typeface="Arial" panose="020B0604020202020204" pitchFamily="34" charset="0"/>
+              <a:buNone/>
+            </a:pPr>
+            <a:r>
+              <a:rPr lang="en-US" dirty="0"/>
+              <a:t>=&gt;</a:t>
+            </a:r>
+          </a:p>
+        </p:txBody>
+      </p:sp>
+      <p:sp>
+        <p:nvSpPr>
+          <p:cNvPr id="10" name="Content Placeholder 2">
+            <a:extLst>
+              <a:ext uri="{FF2B5EF4-FFF2-40B4-BE49-F238E27FC236}">
+                <a16:creationId xmlns:a16="http://schemas.microsoft.com/office/drawing/2014/main" id="{7300C5F2-E529-CDB1-2DC2-2A1E2CDCEDC4}"/>
+              </a:ext>
+            </a:extLst>
+          </p:cNvPr>
+          <p:cNvSpPr>
+            <a:spLocks noGrp="1"/>
+          </p:cNvSpPr>
+          <p:nvPr>
+            <p:ph idx="1"/>
+          </p:nvPr>
+        </p:nvSpPr>
+        <p:spPr>
+          <a:xfrm>
+            <a:off x="5558038" y="5593444"/>
+            <a:ext cx="1512066" cy="565362"/>
+          </a:xfrm>
+        </p:spPr>
+        <p:txBody>
+          <a:bodyPr/>
+          <a:lstStyle/>
+          <a:p>
+            <a:pPr marL="0" indent="0">
+              <a:buNone/>
+            </a:pPr>
+            <a:r>
+              <a:rPr lang="en-US" dirty="0"/>
+              <a:t>Example 12</a:t>
+            </a:r>
+          </a:p>
+          <a:p>
+            <a:pPr marL="0" indent="0">
+              <a:buNone/>
+            </a:pPr>
+            <a:endParaRPr lang="en-US" dirty="0"/>
+          </a:p>
+        </p:txBody>
+      </p:sp>
+      <p:sp>
+        <p:nvSpPr>
+          <p:cNvPr id="7" name="TextBox 6">
+            <a:extLst>
+              <a:ext uri="{FF2B5EF4-FFF2-40B4-BE49-F238E27FC236}">
+                <a16:creationId xmlns:a16="http://schemas.microsoft.com/office/drawing/2014/main" id="{3DBE9CDD-C418-FFE1-1FAA-C6F78132D1EC}"/>
+              </a:ext>
+            </a:extLst>
+          </p:cNvPr>
+          <p:cNvSpPr txBox="1"/>
+          <p:nvPr/>
+        </p:nvSpPr>
+        <p:spPr>
+          <a:xfrm>
+            <a:off x="6285560" y="2206475"/>
+            <a:ext cx="6094428" cy="369332"/>
+          </a:xfrm>
+          <a:prstGeom prst="rect">
+            <a:avLst/>
+          </a:prstGeom>
+          <a:noFill/>
+        </p:spPr>
+        <p:txBody>
+          <a:bodyPr wrap="square">
+            <a:spAutoFit/>
+          </a:bodyPr>
+          <a:lstStyle/>
+          <a:p>
+            <a:pPr algn="l"/>
+            <a:r>
+              <a:rPr lang="en-US" b="0" i="0" dirty="0">
+                <a:solidFill>
+                  <a:srgbClr val="23272F"/>
+                </a:solidFill>
+                <a:effectLst/>
+                <a:latin typeface="Optimistic Display"/>
+              </a:rPr>
+              <a:t>Clean up function</a:t>
+            </a:r>
+          </a:p>
+        </p:txBody>
+      </p:sp>
+      <p:pic>
+        <p:nvPicPr>
+          <p:cNvPr id="4" name="Picture 3">
+            <a:extLst>
+              <a:ext uri="{FF2B5EF4-FFF2-40B4-BE49-F238E27FC236}">
+                <a16:creationId xmlns:a16="http://schemas.microsoft.com/office/drawing/2014/main" id="{60F92715-AF73-821B-BC39-6AE221907CB6}"/>
+              </a:ext>
+            </a:extLst>
+          </p:cNvPr>
+          <p:cNvPicPr>
+            <a:picLocks noChangeAspect="1"/>
+          </p:cNvPicPr>
+          <p:nvPr/>
+        </p:nvPicPr>
+        <p:blipFill>
+          <a:blip r:embed="rId2">
+            <a:extLst>
+              <a:ext uri="{28A0092B-C50C-407E-A947-70E740481C1C}">
+                <a14:useLocalDpi xmlns:a14="http://schemas.microsoft.com/office/drawing/2010/main" val="0"/>
+              </a:ext>
+            </a:extLst>
+          </a:blip>
+          <a:stretch>
+            <a:fillRect/>
+          </a:stretch>
+        </p:blipFill>
+        <p:spPr>
+          <a:xfrm>
+            <a:off x="800100" y="2113775"/>
+            <a:ext cx="4152900" cy="2451100"/>
+          </a:xfrm>
+          <a:prstGeom prst="rect">
+            <a:avLst/>
+          </a:prstGeom>
+        </p:spPr>
+      </p:pic>
+    </p:spTree>
+    <p:extLst>
+      <p:ext uri="{BB962C8B-B14F-4D97-AF65-F5344CB8AC3E}">
+        <p14:creationId xmlns:p14="http://schemas.microsoft.com/office/powerpoint/2010/main" val="96440016"/>
+      </p:ext>
+    </p:extLst>
+  </p:cSld>
+  <p:clrMapOvr>
+    <a:masterClrMapping/>
+  </p:clrMapOvr>
+  <mc:AlternateContent xmlns:mc="http://schemas.openxmlformats.org/markup-compatibility/2006" xmlns:p14="http://schemas.microsoft.com/office/powerpoint/2010/main">
+    <mc:Choice Requires="p14">
+      <p:transition spd="slow" p14:dur="1500">
+        <p:split orient="vert"/>
+      </p:transition>
+    </mc:Choice>
+    <mc:Fallback xmlns="">
       <p:transition spd="slow">
         <p:split orient="vert"/>
       </p:transition>
@@ -10390,13 +12218,13 @@
   <p:clrMapOvr>
     <a:masterClrMapping/>
   </p:clrMapOvr>
-  <mc:AlternateContent xmlns:mc="http://schemas.openxmlformats.org/markup-compatibility/2006">
-    <mc:Choice xmlns:p14="http://schemas.microsoft.com/office/powerpoint/2010/main" Requires="p14">
+  <mc:AlternateContent xmlns:mc="http://schemas.openxmlformats.org/markup-compatibility/2006" xmlns:p14="http://schemas.microsoft.com/office/powerpoint/2010/main">
+    <mc:Choice Requires="p14">
       <p:transition spd="slow" p14:dur="800">
         <p:circle/>
       </p:transition>
     </mc:Choice>
-    <mc:Fallback>
+    <mc:Fallback xmlns="">
       <p:transition spd="slow">
         <p:circle/>
       </p:transition>
@@ -10559,7 +12387,7 @@
         <p:spPr>
           <a:xfrm>
             <a:off x="700635" y="2047432"/>
-            <a:ext cx="10988602" cy="4175828"/>
+            <a:ext cx="10790730" cy="4175828"/>
           </a:xfrm>
         </p:spPr>
         <p:txBody>
@@ -10847,13 +12675,13 @@
   <p:clrMapOvr>
     <a:masterClrMapping/>
   </p:clrMapOvr>
-  <mc:AlternateContent xmlns:mc="http://schemas.openxmlformats.org/markup-compatibility/2006">
-    <mc:Choice xmlns:p14="http://schemas.microsoft.com/office/powerpoint/2010/main" Requires="p14">
+  <mc:AlternateContent xmlns:mc="http://schemas.openxmlformats.org/markup-compatibility/2006" xmlns:p14="http://schemas.microsoft.com/office/powerpoint/2010/main">
+    <mc:Choice Requires="p14">
       <p:transition spd="slow">
         <p14:flash/>
       </p:transition>
     </mc:Choice>
-    <mc:Fallback>
+    <mc:Fallback xmlns="">
       <p:transition spd="slow">
         <p:fade/>
       </p:transition>
@@ -11229,13 +13057,13 @@
   <p:clrMapOvr>
     <a:masterClrMapping/>
   </p:clrMapOvr>
-  <mc:AlternateContent xmlns:mc="http://schemas.openxmlformats.org/markup-compatibility/2006">
-    <mc:Choice xmlns:p15="http://schemas.microsoft.com/office/powerpoint/2012/main" Requires="p15">
+  <mc:AlternateContent xmlns:mc="http://schemas.openxmlformats.org/markup-compatibility/2006" xmlns:p15="http://schemas.microsoft.com/office/powerpoint/2012/main">
+    <mc:Choice Requires="p15">
       <p:transition xmlns:p14="http://schemas.microsoft.com/office/powerpoint/2010/main" spd="slow" p14:dur="6000">
         <p15:prstTrans prst="curtains"/>
       </p:transition>
     </mc:Choice>
-    <mc:Fallback>
+    <mc:Fallback xmlns="">
       <p:transition spd="slow">
         <p:fade/>
       </p:transition>
@@ -11837,13 +13665,13 @@
   <p:clrMapOvr>
     <a:masterClrMapping/>
   </p:clrMapOvr>
-  <mc:AlternateContent xmlns:mc="http://schemas.openxmlformats.org/markup-compatibility/2006">
-    <mc:Choice xmlns:p14="http://schemas.microsoft.com/office/powerpoint/2010/main" Requires="p14">
+  <mc:AlternateContent xmlns:mc="http://schemas.openxmlformats.org/markup-compatibility/2006" xmlns:p14="http://schemas.microsoft.com/office/powerpoint/2010/main">
+    <mc:Choice Requires="p14">
       <p:transition spd="slow" p14:dur="1500">
         <p:split orient="vert"/>
       </p:transition>
     </mc:Choice>
-    <mc:Fallback>
+    <mc:Fallback xmlns="">
       <p:transition spd="slow">
         <p:split orient="vert"/>
       </p:transition>

--- a/Presentation.pptx
+++ b/Presentation.pptx
@@ -301,7 +301,7 @@
           <a:p>
             <a:fld id="{2F3E8B1C-86EF-43CF-8304-249481088644}" type="datetimeFigureOut">
               <a:rPr lang="en-US" smtClean="0"/>
-              <a:t>16/10/2023</a:t>
+              <a:t>10/17/23</a:t>
             </a:fld>
             <a:endParaRPr lang="en-US"/>
           </a:p>
@@ -499,7 +499,7 @@
           <a:p>
             <a:fld id="{2F3E8B1C-86EF-43CF-8304-249481088644}" type="datetimeFigureOut">
               <a:rPr lang="en-US" smtClean="0"/>
-              <a:t>16/10/2023</a:t>
+              <a:t>10/17/23</a:t>
             </a:fld>
             <a:endParaRPr lang="en-US"/>
           </a:p>
@@ -709,7 +709,7 @@
           <a:p>
             <a:fld id="{2F3E8B1C-86EF-43CF-8304-249481088644}" type="datetimeFigureOut">
               <a:rPr lang="en-US" smtClean="0"/>
-              <a:t>16/10/2023</a:t>
+              <a:t>10/17/23</a:t>
             </a:fld>
             <a:endParaRPr lang="en-US"/>
           </a:p>
@@ -907,7 +907,7 @@
           <a:p>
             <a:fld id="{2F3E8B1C-86EF-43CF-8304-249481088644}" type="datetimeFigureOut">
               <a:rPr lang="en-US" smtClean="0"/>
-              <a:t>16/10/2023</a:t>
+              <a:t>10/17/23</a:t>
             </a:fld>
             <a:endParaRPr lang="en-US"/>
           </a:p>
@@ -1183,7 +1183,7 @@
           <a:p>
             <a:fld id="{2F3E8B1C-86EF-43CF-8304-249481088644}" type="datetimeFigureOut">
               <a:rPr lang="en-US" smtClean="0"/>
-              <a:t>16/10/2023</a:t>
+              <a:t>10/17/23</a:t>
             </a:fld>
             <a:endParaRPr lang="en-US"/>
           </a:p>
@@ -1456,7 +1456,7 @@
           <a:p>
             <a:fld id="{2F3E8B1C-86EF-43CF-8304-249481088644}" type="datetimeFigureOut">
               <a:rPr lang="en-US" smtClean="0"/>
-              <a:t>16/10/2023</a:t>
+              <a:t>10/17/23</a:t>
             </a:fld>
             <a:endParaRPr lang="en-US"/>
           </a:p>
@@ -1878,7 +1878,7 @@
           <a:p>
             <a:fld id="{2F3E8B1C-86EF-43CF-8304-249481088644}" type="datetimeFigureOut">
               <a:rPr lang="en-US" smtClean="0"/>
-              <a:t>16/10/2023</a:t>
+              <a:t>10/17/23</a:t>
             </a:fld>
             <a:endParaRPr lang="en-US"/>
           </a:p>
@@ -2020,7 +2020,7 @@
           <a:p>
             <a:fld id="{2F3E8B1C-86EF-43CF-8304-249481088644}" type="datetimeFigureOut">
               <a:rPr lang="en-US" smtClean="0"/>
-              <a:t>16/10/2023</a:t>
+              <a:t>10/17/23</a:t>
             </a:fld>
             <a:endParaRPr lang="en-US"/>
           </a:p>
@@ -2133,7 +2133,7 @@
           <a:p>
             <a:fld id="{2F3E8B1C-86EF-43CF-8304-249481088644}" type="datetimeFigureOut">
               <a:rPr lang="en-US" smtClean="0"/>
-              <a:t>16/10/2023</a:t>
+              <a:t>10/17/23</a:t>
             </a:fld>
             <a:endParaRPr lang="en-US"/>
           </a:p>
@@ -2446,7 +2446,7 @@
           <a:p>
             <a:fld id="{2F3E8B1C-86EF-43CF-8304-249481088644}" type="datetimeFigureOut">
               <a:rPr lang="en-US" smtClean="0"/>
-              <a:t>16/10/2023</a:t>
+              <a:t>10/17/23</a:t>
             </a:fld>
             <a:endParaRPr lang="en-US"/>
           </a:p>
@@ -2738,7 +2738,7 @@
           <a:p>
             <a:fld id="{2F3E8B1C-86EF-43CF-8304-249481088644}" type="datetimeFigureOut">
               <a:rPr lang="en-US" smtClean="0"/>
-              <a:t>16/10/2023</a:t>
+              <a:t>10/17/23</a:t>
             </a:fld>
             <a:endParaRPr lang="en-US"/>
           </a:p>
@@ -2981,7 +2981,7 @@
             <a:fld id="{2F3E8B1C-86EF-43CF-8304-249481088644}" type="datetimeFigureOut">
               <a:rPr lang="en-US" smtClean="0"/>
               <a:pPr/>
-              <a:t>16/10/2023</a:t>
+              <a:t>10/17/23</a:t>
             </a:fld>
             <a:endParaRPr lang="en-US"/>
           </a:p>
@@ -10851,7 +10851,7 @@
           <a:p>
             <a:pPr algn="l"/>
             <a:r>
-              <a:rPr lang="en-US" b="1" i="0">
+              <a:rPr lang="en-US" b="1" i="0" dirty="0">
                 <a:solidFill>
                   <a:srgbClr val="000000"/>
                 </a:solidFill>
@@ -10928,7 +10928,7 @@
           <a:lstStyle/>
           <a:p>
             <a:r>
-              <a:rPr lang="en-US" b="0" i="0">
+              <a:rPr lang="en-US" b="0" i="0" dirty="0">
                 <a:solidFill>
                   <a:srgbClr val="23272F"/>
                 </a:solidFill>
@@ -10937,7 +10937,7 @@
               </a:rPr>
               <a:t>React will call your cleanup function each time before the Effect runs again, and one final time when the component unmounts (gets removed).</a:t>
             </a:r>
-            <a:endParaRPr lang="en-US"/>
+            <a:endParaRPr lang="en-US" dirty="0"/>
           </a:p>
         </p:txBody>
       </p:sp>
@@ -11097,8 +11097,8 @@
         </p:nvSpPr>
         <p:spPr>
           <a:xfrm>
-            <a:off x="5972806" y="2387153"/>
-            <a:ext cx="6094428" cy="400110"/>
+            <a:off x="6097572" y="1632253"/>
+            <a:ext cx="5393793" cy="1938992"/>
           </a:xfrm>
           <a:prstGeom prst="rect">
             <a:avLst/>
@@ -11111,12 +11111,74 @@
           </a:bodyPr>
           <a:lstStyle/>
           <a:p>
-            <a:r>
-              <a:rPr lang="en-US" sz="2000">
+            <a:pPr marL="342900" indent="-342900">
+              <a:buFont typeface="Arial" panose="020B0604020202020204" pitchFamily="34" charset="0"/>
+              <a:buChar char="•"/>
+            </a:pPr>
+            <a:r>
+              <a:rPr lang="en-US" sz="2000" dirty="0">
                 <a:latin typeface="Optimistic Display"/>
               </a:rPr>
               <a:t>Custom Hooks are a mechanism to reuse stateful logic</a:t>
             </a:r>
+          </a:p>
+          <a:p>
+            <a:pPr marL="342900" indent="-342900">
+              <a:buFont typeface="Arial" panose="020B0604020202020204" pitchFamily="34" charset="0"/>
+              <a:buChar char="•"/>
+            </a:pPr>
+            <a:r>
+              <a:rPr lang="en-US" sz="2000" dirty="0">
+                <a:solidFill>
+                  <a:srgbClr val="23272F"/>
+                </a:solidFill>
+                <a:latin typeface="Optimistic Text"/>
+              </a:rPr>
+              <a:t>Hook names must start with </a:t>
+            </a:r>
+            <a:r>
+              <a:rPr lang="en-US" sz="2000" b="1" dirty="0">
+                <a:solidFill>
+                  <a:srgbClr val="23272F"/>
+                </a:solidFill>
+                <a:latin typeface="Optimistic Text"/>
+              </a:rPr>
+              <a:t>use</a:t>
+            </a:r>
+            <a:r>
+              <a:rPr lang="en-US" sz="2000" dirty="0">
+                <a:solidFill>
+                  <a:srgbClr val="23272F"/>
+                </a:solidFill>
+                <a:latin typeface="Optimistic Text"/>
+              </a:rPr>
+              <a:t> followed by a capital letter</a:t>
+            </a:r>
+          </a:p>
+          <a:p>
+            <a:pPr marL="342900" indent="-342900">
+              <a:buFont typeface="Arial" panose="020B0604020202020204" pitchFamily="34" charset="0"/>
+              <a:buChar char="•"/>
+            </a:pPr>
+            <a:r>
+              <a:rPr lang="en-US" sz="2000" dirty="0">
+                <a:solidFill>
+                  <a:srgbClr val="23272F"/>
+                </a:solidFill>
+                <a:latin typeface="Optimistic Text"/>
+              </a:rPr>
+              <a:t>Hooks may return arbitrary values.</a:t>
+            </a:r>
+            <a:endParaRPr lang="en-US" sz="2000" dirty="0"/>
+          </a:p>
+          <a:p>
+            <a:pPr marL="342900" indent="-342900">
+              <a:buFont typeface="Arial" panose="020B0604020202020204" pitchFamily="34" charset="0"/>
+              <a:buChar char="•"/>
+            </a:pPr>
+            <a:endParaRPr lang="en-US" sz="2000" dirty="0">
+              <a:latin typeface="Optimistic Display"/>
+            </a:endParaRPr>
           </a:p>
         </p:txBody>
       </p:sp>
@@ -11197,6 +11259,104 @@
                                           <p:spTgt spid="9">
                                             <p:txEl>
                                               <p:pRg st="0" end="0"/>
+                                            </p:txEl>
+                                          </p:spTgt>
+                                        </p:tgtEl>
+                                        <p:attrNameLst>
+                                          <p:attrName>style.visibility</p:attrName>
+                                        </p:attrNameLst>
+                                      </p:cBhvr>
+                                      <p:to>
+                                        <p:strVal val="visible"/>
+                                      </p:to>
+                                    </p:set>
+                                  </p:childTnLst>
+                                </p:cTn>
+                              </p:par>
+                            </p:childTnLst>
+                          </p:cTn>
+                        </p:par>
+                      </p:childTnLst>
+                    </p:cTn>
+                  </p:par>
+                  <p:par>
+                    <p:cTn id="7" fill="hold">
+                      <p:stCondLst>
+                        <p:cond delay="indefinite"/>
+                      </p:stCondLst>
+                      <p:childTnLst>
+                        <p:par>
+                          <p:cTn id="8" fill="hold">
+                            <p:stCondLst>
+                              <p:cond delay="0"/>
+                            </p:stCondLst>
+                            <p:childTnLst>
+                              <p:par>
+                                <p:cTn id="9" presetID="1" presetClass="entr" presetSubtype="0" fill="hold" nodeType="clickEffect">
+                                  <p:stCondLst>
+                                    <p:cond delay="0"/>
+                                  </p:stCondLst>
+                                  <p:childTnLst>
+                                    <p:set>
+                                      <p:cBhvr>
+                                        <p:cTn id="10" dur="1" fill="hold">
+                                          <p:stCondLst>
+                                            <p:cond delay="0"/>
+                                          </p:stCondLst>
+                                        </p:cTn>
+                                        <p:tgtEl>
+                                          <p:spTgt spid="9">
+                                            <p:txEl>
+                                              <p:pRg st="1" end="1"/>
+                                            </p:txEl>
+                                          </p:spTgt>
+                                        </p:tgtEl>
+                                        <p:attrNameLst>
+                                          <p:attrName>style.visibility</p:attrName>
+                                        </p:attrNameLst>
+                                      </p:cBhvr>
+                                      <p:to>
+                                        <p:strVal val="visible"/>
+                                      </p:to>
+                                    </p:set>
+                                  </p:childTnLst>
+                                </p:cTn>
+                              </p:par>
+                            </p:childTnLst>
+                          </p:cTn>
+                        </p:par>
+                      </p:childTnLst>
+                    </p:cTn>
+                  </p:par>
+                  <p:par>
+                    <p:cTn id="11" fill="hold">
+                      <p:stCondLst>
+                        <p:cond delay="indefinite"/>
+                      </p:stCondLst>
+                      <p:childTnLst>
+                        <p:par>
+                          <p:cTn id="12" fill="hold">
+                            <p:stCondLst>
+                              <p:cond delay="0"/>
+                            </p:stCondLst>
+                            <p:childTnLst>
+                              <p:par>
+                                <p:cTn id="13" presetID="1" presetClass="entr" presetSubtype="0" fill="hold" nodeType="clickEffect">
+                                  <p:stCondLst>
+                                    <p:cond delay="0"/>
+                                  </p:stCondLst>
+                                  <p:childTnLst>
+                                    <p:set>
+                                      <p:cBhvr>
+                                        <p:cTn id="14" dur="1" fill="hold">
+                                          <p:stCondLst>
+                                            <p:cond delay="0"/>
+                                          </p:stCondLst>
+                                        </p:cTn>
+                                        <p:tgtEl>
+                                          <p:spTgt spid="9">
+                                            <p:txEl>
+                                              <p:pRg st="2" end="2"/>
                                             </p:txEl>
                                           </p:spTgt>
                                         </p:tgtEl>
@@ -12434,11 +12594,11 @@
   <p:clrMapOvr>
     <a:masterClrMapping/>
   </p:clrMapOvr>
-  <mc:AlternateContent xmlns:mc="http://schemas.openxmlformats.org/markup-compatibility/2006">
-    <mc:Choice xmlns:p14="http://schemas.microsoft.com/office/powerpoint/2010/main" Requires="p14">
+  <mc:AlternateContent xmlns:mc="http://schemas.openxmlformats.org/markup-compatibility/2006" xmlns:p14="http://schemas.microsoft.com/office/powerpoint/2010/main">
+    <mc:Choice Requires="p14">
       <p:transition p14:dur="10"/>
     </mc:Choice>
-    <mc:Fallback>
+    <mc:Fallback xmlns="">
       <p:transition/>
     </mc:Fallback>
   </mc:AlternateContent>

--- a/Presentation.pptx
+++ b/Presentation.pptx
@@ -301,7 +301,7 @@
           <a:p>
             <a:fld id="{2F3E8B1C-86EF-43CF-8304-249481088644}" type="datetimeFigureOut">
               <a:rPr lang="en-US" smtClean="0"/>
-              <a:t>10/17/23</a:t>
+              <a:t>17/10/2023</a:t>
             </a:fld>
             <a:endParaRPr lang="en-US"/>
           </a:p>
@@ -499,7 +499,7 @@
           <a:p>
             <a:fld id="{2F3E8B1C-86EF-43CF-8304-249481088644}" type="datetimeFigureOut">
               <a:rPr lang="en-US" smtClean="0"/>
-              <a:t>10/17/23</a:t>
+              <a:t>17/10/2023</a:t>
             </a:fld>
             <a:endParaRPr lang="en-US"/>
           </a:p>
@@ -709,7 +709,7 @@
           <a:p>
             <a:fld id="{2F3E8B1C-86EF-43CF-8304-249481088644}" type="datetimeFigureOut">
               <a:rPr lang="en-US" smtClean="0"/>
-              <a:t>10/17/23</a:t>
+              <a:t>17/10/2023</a:t>
             </a:fld>
             <a:endParaRPr lang="en-US"/>
           </a:p>
@@ -907,7 +907,7 @@
           <a:p>
             <a:fld id="{2F3E8B1C-86EF-43CF-8304-249481088644}" type="datetimeFigureOut">
               <a:rPr lang="en-US" smtClean="0"/>
-              <a:t>10/17/23</a:t>
+              <a:t>17/10/2023</a:t>
             </a:fld>
             <a:endParaRPr lang="en-US"/>
           </a:p>
@@ -1183,7 +1183,7 @@
           <a:p>
             <a:fld id="{2F3E8B1C-86EF-43CF-8304-249481088644}" type="datetimeFigureOut">
               <a:rPr lang="en-US" smtClean="0"/>
-              <a:t>10/17/23</a:t>
+              <a:t>17/10/2023</a:t>
             </a:fld>
             <a:endParaRPr lang="en-US"/>
           </a:p>
@@ -1456,7 +1456,7 @@
           <a:p>
             <a:fld id="{2F3E8B1C-86EF-43CF-8304-249481088644}" type="datetimeFigureOut">
               <a:rPr lang="en-US" smtClean="0"/>
-              <a:t>10/17/23</a:t>
+              <a:t>17/10/2023</a:t>
             </a:fld>
             <a:endParaRPr lang="en-US"/>
           </a:p>
@@ -1878,7 +1878,7 @@
           <a:p>
             <a:fld id="{2F3E8B1C-86EF-43CF-8304-249481088644}" type="datetimeFigureOut">
               <a:rPr lang="en-US" smtClean="0"/>
-              <a:t>10/17/23</a:t>
+              <a:t>17/10/2023</a:t>
             </a:fld>
             <a:endParaRPr lang="en-US"/>
           </a:p>
@@ -2020,7 +2020,7 @@
           <a:p>
             <a:fld id="{2F3E8B1C-86EF-43CF-8304-249481088644}" type="datetimeFigureOut">
               <a:rPr lang="en-US" smtClean="0"/>
-              <a:t>10/17/23</a:t>
+              <a:t>17/10/2023</a:t>
             </a:fld>
             <a:endParaRPr lang="en-US"/>
           </a:p>
@@ -2133,7 +2133,7 @@
           <a:p>
             <a:fld id="{2F3E8B1C-86EF-43CF-8304-249481088644}" type="datetimeFigureOut">
               <a:rPr lang="en-US" smtClean="0"/>
-              <a:t>10/17/23</a:t>
+              <a:t>17/10/2023</a:t>
             </a:fld>
             <a:endParaRPr lang="en-US"/>
           </a:p>
@@ -2446,7 +2446,7 @@
           <a:p>
             <a:fld id="{2F3E8B1C-86EF-43CF-8304-249481088644}" type="datetimeFigureOut">
               <a:rPr lang="en-US" smtClean="0"/>
-              <a:t>10/17/23</a:t>
+              <a:t>17/10/2023</a:t>
             </a:fld>
             <a:endParaRPr lang="en-US"/>
           </a:p>
@@ -2738,7 +2738,7 @@
           <a:p>
             <a:fld id="{2F3E8B1C-86EF-43CF-8304-249481088644}" type="datetimeFigureOut">
               <a:rPr lang="en-US" smtClean="0"/>
-              <a:t>10/17/23</a:t>
+              <a:t>17/10/2023</a:t>
             </a:fld>
             <a:endParaRPr lang="en-US"/>
           </a:p>
@@ -2981,7 +2981,7 @@
             <a:fld id="{2F3E8B1C-86EF-43CF-8304-249481088644}" type="datetimeFigureOut">
               <a:rPr lang="en-US" smtClean="0"/>
               <a:pPr/>
-              <a:t>10/17/23</a:t>
+              <a:t>17/10/2023</a:t>
             </a:fld>
             <a:endParaRPr lang="en-US"/>
           </a:p>
@@ -5956,6 +5956,33 @@
                                         </p:cTn>
                                         <p:tgtEl>
                                           <p:spTgt spid="4"/>
+                                        </p:tgtEl>
+                                        <p:attrNameLst>
+                                          <p:attrName>style.visibility</p:attrName>
+                                        </p:attrNameLst>
+                                      </p:cBhvr>
+                                      <p:to>
+                                        <p:strVal val="visible"/>
+                                      </p:to>
+                                    </p:set>
+                                  </p:childTnLst>
+                                </p:cTn>
+                              </p:par>
+                              <p:par>
+                                <p:cTn id="7" presetID="1" presetClass="entr" presetSubtype="0" fill="hold" nodeType="withEffect">
+                                  <p:stCondLst>
+                                    <p:cond delay="0"/>
+                                  </p:stCondLst>
+                                  <p:childTnLst>
+                                    <p:set>
+                                      <p:cBhvr>
+                                        <p:cTn id="8" dur="1" fill="hold">
+                                          <p:stCondLst>
+                                            <p:cond delay="0"/>
+                                          </p:stCondLst>
+                                        </p:cTn>
+                                        <p:tgtEl>
+                                          <p:spTgt spid="5"/>
                                         </p:tgtEl>
                                         <p:attrNameLst>
                                           <p:attrName>style.visibility</p:attrName>

--- a/Presentation.pptx
+++ b/Presentation.pptx
@@ -4,6 +4,9 @@
   <p:sldMasterIdLst>
     <p:sldMasterId id="2147483648" r:id="rId1"/>
   </p:sldMasterIdLst>
+  <p:notesMasterIdLst>
+    <p:notesMasterId r:id="rId28"/>
+  </p:notesMasterIdLst>
   <p:sldIdLst>
     <p:sldId id="256" r:id="rId2"/>
     <p:sldId id="258" r:id="rId3"/>
@@ -148,6 +151,439 @@
 </p:presentation>
 </file>
 
+<file path=ppt/notesMasters/notesMaster1.xml><?xml version="1.0" encoding="utf-8"?>
+<p:notesMaster xmlns:a="http://schemas.openxmlformats.org/drawingml/2006/main" xmlns:r="http://schemas.openxmlformats.org/officeDocument/2006/relationships" xmlns:p="http://schemas.openxmlformats.org/presentationml/2006/main">
+  <p:cSld>
+    <p:bg>
+      <p:bgRef idx="1001">
+        <a:schemeClr val="bg1"/>
+      </p:bgRef>
+    </p:bg>
+    <p:spTree>
+      <p:nvGrpSpPr>
+        <p:cNvPr id="1" name=""/>
+        <p:cNvGrpSpPr/>
+        <p:nvPr/>
+      </p:nvGrpSpPr>
+      <p:grpSpPr>
+        <a:xfrm>
+          <a:off x="0" y="0"/>
+          <a:ext cx="0" cy="0"/>
+          <a:chOff x="0" y="0"/>
+          <a:chExt cx="0" cy="0"/>
+        </a:xfrm>
+      </p:grpSpPr>
+      <p:sp>
+        <p:nvSpPr>
+          <p:cNvPr id="2" name="Header Placeholder 1"/>
+          <p:cNvSpPr>
+            <a:spLocks noGrp="1"/>
+          </p:cNvSpPr>
+          <p:nvPr>
+            <p:ph type="hdr" sz="quarter"/>
+          </p:nvPr>
+        </p:nvSpPr>
+        <p:spPr>
+          <a:xfrm>
+            <a:off x="0" y="0"/>
+            <a:ext cx="2971800" cy="458788"/>
+          </a:xfrm>
+          <a:prstGeom prst="rect">
+            <a:avLst/>
+          </a:prstGeom>
+        </p:spPr>
+        <p:txBody>
+          <a:bodyPr vert="horz" lIns="91440" tIns="45720" rIns="91440" bIns="45720" rtlCol="0"/>
+          <a:lstStyle>
+            <a:lvl1pPr algn="l">
+              <a:defRPr sz="1200"/>
+            </a:lvl1pPr>
+          </a:lstStyle>
+          <a:p>
+            <a:endParaRPr lang="en-US"/>
+          </a:p>
+        </p:txBody>
+      </p:sp>
+      <p:sp>
+        <p:nvSpPr>
+          <p:cNvPr id="3" name="Date Placeholder 2"/>
+          <p:cNvSpPr>
+            <a:spLocks noGrp="1"/>
+          </p:cNvSpPr>
+          <p:nvPr>
+            <p:ph type="dt" idx="1"/>
+          </p:nvPr>
+        </p:nvSpPr>
+        <p:spPr>
+          <a:xfrm>
+            <a:off x="3884613" y="0"/>
+            <a:ext cx="2971800" cy="458788"/>
+          </a:xfrm>
+          <a:prstGeom prst="rect">
+            <a:avLst/>
+          </a:prstGeom>
+        </p:spPr>
+        <p:txBody>
+          <a:bodyPr vert="horz" lIns="91440" tIns="45720" rIns="91440" bIns="45720" rtlCol="0"/>
+          <a:lstStyle>
+            <a:lvl1pPr algn="r">
+              <a:defRPr sz="1200"/>
+            </a:lvl1pPr>
+          </a:lstStyle>
+          <a:p>
+            <a:fld id="{F4C4260C-F59F-724C-80A2-B7D82CF37498}" type="datetimeFigureOut">
+              <a:rPr lang="en-US" smtClean="0"/>
+              <a:t>10/18/23</a:t>
+            </a:fld>
+            <a:endParaRPr lang="en-US"/>
+          </a:p>
+        </p:txBody>
+      </p:sp>
+      <p:sp>
+        <p:nvSpPr>
+          <p:cNvPr id="4" name="Slide Image Placeholder 3"/>
+          <p:cNvSpPr>
+            <a:spLocks noGrp="1" noRot="1" noChangeAspect="1"/>
+          </p:cNvSpPr>
+          <p:nvPr>
+            <p:ph type="sldImg" idx="2"/>
+          </p:nvPr>
+        </p:nvSpPr>
+        <p:spPr>
+          <a:xfrm>
+            <a:off x="685800" y="1143000"/>
+            <a:ext cx="5486400" cy="3086100"/>
+          </a:xfrm>
+          <a:prstGeom prst="rect">
+            <a:avLst/>
+          </a:prstGeom>
+          <a:noFill/>
+          <a:ln w="12700">
+            <a:solidFill>
+              <a:prstClr val="black"/>
+            </a:solidFill>
+          </a:ln>
+        </p:spPr>
+        <p:txBody>
+          <a:bodyPr vert="horz" lIns="91440" tIns="45720" rIns="91440" bIns="45720" rtlCol="0" anchor="ctr"/>
+          <a:lstStyle/>
+          <a:p>
+            <a:endParaRPr lang="en-US"/>
+          </a:p>
+        </p:txBody>
+      </p:sp>
+      <p:sp>
+        <p:nvSpPr>
+          <p:cNvPr id="5" name="Notes Placeholder 4"/>
+          <p:cNvSpPr>
+            <a:spLocks noGrp="1"/>
+          </p:cNvSpPr>
+          <p:nvPr>
+            <p:ph type="body" sz="quarter" idx="3"/>
+          </p:nvPr>
+        </p:nvSpPr>
+        <p:spPr>
+          <a:xfrm>
+            <a:off x="685800" y="4400550"/>
+            <a:ext cx="5486400" cy="3600450"/>
+          </a:xfrm>
+          <a:prstGeom prst="rect">
+            <a:avLst/>
+          </a:prstGeom>
+        </p:spPr>
+        <p:txBody>
+          <a:bodyPr vert="horz" lIns="91440" tIns="45720" rIns="91440" bIns="45720" rtlCol="0"/>
+          <a:lstStyle/>
+          <a:p>
+            <a:pPr lvl="0"/>
+            <a:r>
+              <a:rPr lang="en-US"/>
+              <a:t>Click to edit Master text styles</a:t>
+            </a:r>
+          </a:p>
+          <a:p>
+            <a:pPr lvl="1"/>
+            <a:r>
+              <a:rPr lang="en-US"/>
+              <a:t>Second level</a:t>
+            </a:r>
+          </a:p>
+          <a:p>
+            <a:pPr lvl="2"/>
+            <a:r>
+              <a:rPr lang="en-US"/>
+              <a:t>Third level</a:t>
+            </a:r>
+          </a:p>
+          <a:p>
+            <a:pPr lvl="3"/>
+            <a:r>
+              <a:rPr lang="en-US"/>
+              <a:t>Fourth level</a:t>
+            </a:r>
+          </a:p>
+          <a:p>
+            <a:pPr lvl="4"/>
+            <a:r>
+              <a:rPr lang="en-US"/>
+              <a:t>Fifth level</a:t>
+            </a:r>
+          </a:p>
+        </p:txBody>
+      </p:sp>
+      <p:sp>
+        <p:nvSpPr>
+          <p:cNvPr id="6" name="Footer Placeholder 5"/>
+          <p:cNvSpPr>
+            <a:spLocks noGrp="1"/>
+          </p:cNvSpPr>
+          <p:nvPr>
+            <p:ph type="ftr" sz="quarter" idx="4"/>
+          </p:nvPr>
+        </p:nvSpPr>
+        <p:spPr>
+          <a:xfrm>
+            <a:off x="0" y="8685213"/>
+            <a:ext cx="2971800" cy="458787"/>
+          </a:xfrm>
+          <a:prstGeom prst="rect">
+            <a:avLst/>
+          </a:prstGeom>
+        </p:spPr>
+        <p:txBody>
+          <a:bodyPr vert="horz" lIns="91440" tIns="45720" rIns="91440" bIns="45720" rtlCol="0" anchor="b"/>
+          <a:lstStyle>
+            <a:lvl1pPr algn="l">
+              <a:defRPr sz="1200"/>
+            </a:lvl1pPr>
+          </a:lstStyle>
+          <a:p>
+            <a:endParaRPr lang="en-US"/>
+          </a:p>
+        </p:txBody>
+      </p:sp>
+      <p:sp>
+        <p:nvSpPr>
+          <p:cNvPr id="7" name="Slide Number Placeholder 6"/>
+          <p:cNvSpPr>
+            <a:spLocks noGrp="1"/>
+          </p:cNvSpPr>
+          <p:nvPr>
+            <p:ph type="sldNum" sz="quarter" idx="5"/>
+          </p:nvPr>
+        </p:nvSpPr>
+        <p:spPr>
+          <a:xfrm>
+            <a:off x="3884613" y="8685213"/>
+            <a:ext cx="2971800" cy="458787"/>
+          </a:xfrm>
+          <a:prstGeom prst="rect">
+            <a:avLst/>
+          </a:prstGeom>
+        </p:spPr>
+        <p:txBody>
+          <a:bodyPr vert="horz" lIns="91440" tIns="45720" rIns="91440" bIns="45720" rtlCol="0" anchor="b"/>
+          <a:lstStyle>
+            <a:lvl1pPr algn="r">
+              <a:defRPr sz="1200"/>
+            </a:lvl1pPr>
+          </a:lstStyle>
+          <a:p>
+            <a:fld id="{9150D8AF-2522-1143-AB15-D505D4CED893}" type="slidenum">
+              <a:rPr lang="en-US" smtClean="0"/>
+              <a:t>‹#›</a:t>
+            </a:fld>
+            <a:endParaRPr lang="en-US"/>
+          </a:p>
+        </p:txBody>
+      </p:sp>
+    </p:spTree>
+    <p:extLst>
+      <p:ext uri="{BB962C8B-B14F-4D97-AF65-F5344CB8AC3E}">
+        <p14:creationId xmlns:p14="http://schemas.microsoft.com/office/powerpoint/2010/main" val="1863334964"/>
+      </p:ext>
+    </p:extLst>
+  </p:cSld>
+  <p:clrMap bg1="lt1" tx1="dk1" bg2="lt2" tx2="dk2" accent1="accent1" accent2="accent2" accent3="accent3" accent4="accent4" accent5="accent5" accent6="accent6" hlink="hlink" folHlink="folHlink"/>
+  <p:notesStyle>
+    <a:lvl1pPr marL="0" algn="l" defTabSz="914400" rtl="0" eaLnBrk="1" latinLnBrk="0" hangingPunct="1">
+      <a:defRPr sz="1200" kern="1200">
+        <a:solidFill>
+          <a:schemeClr val="tx1"/>
+        </a:solidFill>
+        <a:latin typeface="+mn-lt"/>
+        <a:ea typeface="+mn-ea"/>
+        <a:cs typeface="+mn-cs"/>
+      </a:defRPr>
+    </a:lvl1pPr>
+    <a:lvl2pPr marL="457200" algn="l" defTabSz="914400" rtl="0" eaLnBrk="1" latinLnBrk="0" hangingPunct="1">
+      <a:defRPr sz="1200" kern="1200">
+        <a:solidFill>
+          <a:schemeClr val="tx1"/>
+        </a:solidFill>
+        <a:latin typeface="+mn-lt"/>
+        <a:ea typeface="+mn-ea"/>
+        <a:cs typeface="+mn-cs"/>
+      </a:defRPr>
+    </a:lvl2pPr>
+    <a:lvl3pPr marL="914400" algn="l" defTabSz="914400" rtl="0" eaLnBrk="1" latinLnBrk="0" hangingPunct="1">
+      <a:defRPr sz="1200" kern="1200">
+        <a:solidFill>
+          <a:schemeClr val="tx1"/>
+        </a:solidFill>
+        <a:latin typeface="+mn-lt"/>
+        <a:ea typeface="+mn-ea"/>
+        <a:cs typeface="+mn-cs"/>
+      </a:defRPr>
+    </a:lvl3pPr>
+    <a:lvl4pPr marL="1371600" algn="l" defTabSz="914400" rtl="0" eaLnBrk="1" latinLnBrk="0" hangingPunct="1">
+      <a:defRPr sz="1200" kern="1200">
+        <a:solidFill>
+          <a:schemeClr val="tx1"/>
+        </a:solidFill>
+        <a:latin typeface="+mn-lt"/>
+        <a:ea typeface="+mn-ea"/>
+        <a:cs typeface="+mn-cs"/>
+      </a:defRPr>
+    </a:lvl4pPr>
+    <a:lvl5pPr marL="1828800" algn="l" defTabSz="914400" rtl="0" eaLnBrk="1" latinLnBrk="0" hangingPunct="1">
+      <a:defRPr sz="1200" kern="1200">
+        <a:solidFill>
+          <a:schemeClr val="tx1"/>
+        </a:solidFill>
+        <a:latin typeface="+mn-lt"/>
+        <a:ea typeface="+mn-ea"/>
+        <a:cs typeface="+mn-cs"/>
+      </a:defRPr>
+    </a:lvl5pPr>
+    <a:lvl6pPr marL="2286000" algn="l" defTabSz="914400" rtl="0" eaLnBrk="1" latinLnBrk="0" hangingPunct="1">
+      <a:defRPr sz="1200" kern="1200">
+        <a:solidFill>
+          <a:schemeClr val="tx1"/>
+        </a:solidFill>
+        <a:latin typeface="+mn-lt"/>
+        <a:ea typeface="+mn-ea"/>
+        <a:cs typeface="+mn-cs"/>
+      </a:defRPr>
+    </a:lvl6pPr>
+    <a:lvl7pPr marL="2743200" algn="l" defTabSz="914400" rtl="0" eaLnBrk="1" latinLnBrk="0" hangingPunct="1">
+      <a:defRPr sz="1200" kern="1200">
+        <a:solidFill>
+          <a:schemeClr val="tx1"/>
+        </a:solidFill>
+        <a:latin typeface="+mn-lt"/>
+        <a:ea typeface="+mn-ea"/>
+        <a:cs typeface="+mn-cs"/>
+      </a:defRPr>
+    </a:lvl7pPr>
+    <a:lvl8pPr marL="3200400" algn="l" defTabSz="914400" rtl="0" eaLnBrk="1" latinLnBrk="0" hangingPunct="1">
+      <a:defRPr sz="1200" kern="1200">
+        <a:solidFill>
+          <a:schemeClr val="tx1"/>
+        </a:solidFill>
+        <a:latin typeface="+mn-lt"/>
+        <a:ea typeface="+mn-ea"/>
+        <a:cs typeface="+mn-cs"/>
+      </a:defRPr>
+    </a:lvl8pPr>
+    <a:lvl9pPr marL="3657600" algn="l" defTabSz="914400" rtl="0" eaLnBrk="1" latinLnBrk="0" hangingPunct="1">
+      <a:defRPr sz="1200" kern="1200">
+        <a:solidFill>
+          <a:schemeClr val="tx1"/>
+        </a:solidFill>
+        <a:latin typeface="+mn-lt"/>
+        <a:ea typeface="+mn-ea"/>
+        <a:cs typeface="+mn-cs"/>
+      </a:defRPr>
+    </a:lvl9pPr>
+  </p:notesStyle>
+</p:notesMaster>
+</file>
+
+<file path=ppt/notesSlides/notesSlide1.xml><?xml version="1.0" encoding="utf-8"?>
+<p:notes xmlns:a="http://schemas.openxmlformats.org/drawingml/2006/main" xmlns:r="http://schemas.openxmlformats.org/officeDocument/2006/relationships" xmlns:p="http://schemas.openxmlformats.org/presentationml/2006/main">
+  <p:cSld>
+    <p:spTree>
+      <p:nvGrpSpPr>
+        <p:cNvPr id="1" name=""/>
+        <p:cNvGrpSpPr/>
+        <p:nvPr/>
+      </p:nvGrpSpPr>
+      <p:grpSpPr>
+        <a:xfrm>
+          <a:off x="0" y="0"/>
+          <a:ext cx="0" cy="0"/>
+          <a:chOff x="0" y="0"/>
+          <a:chExt cx="0" cy="0"/>
+        </a:xfrm>
+      </p:grpSpPr>
+      <p:sp>
+        <p:nvSpPr>
+          <p:cNvPr id="2" name="Slide Image Placeholder 1"/>
+          <p:cNvSpPr>
+            <a:spLocks noGrp="1" noRot="1" noChangeAspect="1"/>
+          </p:cNvSpPr>
+          <p:nvPr>
+            <p:ph type="sldImg"/>
+          </p:nvPr>
+        </p:nvSpPr>
+        <p:spPr/>
+      </p:sp>
+      <p:sp>
+        <p:nvSpPr>
+          <p:cNvPr id="3" name="Notes Placeholder 2"/>
+          <p:cNvSpPr>
+            <a:spLocks noGrp="1"/>
+          </p:cNvSpPr>
+          <p:nvPr>
+            <p:ph type="body" idx="1"/>
+          </p:nvPr>
+        </p:nvSpPr>
+        <p:spPr/>
+        <p:txBody>
+          <a:bodyPr/>
+          <a:lstStyle/>
+          <a:p>
+            <a:endParaRPr lang="en-US"/>
+          </a:p>
+        </p:txBody>
+      </p:sp>
+      <p:sp>
+        <p:nvSpPr>
+          <p:cNvPr id="4" name="Slide Number Placeholder 3"/>
+          <p:cNvSpPr>
+            <a:spLocks noGrp="1"/>
+          </p:cNvSpPr>
+          <p:nvPr>
+            <p:ph type="sldNum" sz="quarter" idx="5"/>
+          </p:nvPr>
+        </p:nvSpPr>
+        <p:spPr/>
+        <p:txBody>
+          <a:bodyPr/>
+          <a:lstStyle/>
+          <a:p>
+            <a:fld id="{9150D8AF-2522-1143-AB15-D505D4CED893}" type="slidenum">
+              <a:rPr lang="en-US" smtClean="0"/>
+              <a:t>1</a:t>
+            </a:fld>
+            <a:endParaRPr lang="en-US"/>
+          </a:p>
+        </p:txBody>
+      </p:sp>
+    </p:spTree>
+    <p:extLst>
+      <p:ext uri="{BB962C8B-B14F-4D97-AF65-F5344CB8AC3E}">
+        <p14:creationId xmlns:p14="http://schemas.microsoft.com/office/powerpoint/2010/main" val="470824789"/>
+      </p:ext>
+    </p:extLst>
+  </p:cSld>
+  <p:clrMapOvr>
+    <a:masterClrMapping/>
+  </p:clrMapOvr>
+</p:notes>
+</file>
+
 <file path=ppt/slideLayouts/slideLayout1.xml><?xml version="1.0" encoding="utf-8"?>
 <p:sldLayout xmlns:a="http://schemas.openxmlformats.org/drawingml/2006/main" xmlns:r="http://schemas.openxmlformats.org/officeDocument/2006/relationships" xmlns:p="http://schemas.openxmlformats.org/presentationml/2006/main" type="title" preserve="1">
   <p:cSld name="Title Slide">
@@ -301,7 +737,7 @@
           <a:p>
             <a:fld id="{2F3E8B1C-86EF-43CF-8304-249481088644}" type="datetimeFigureOut">
               <a:rPr lang="en-US" smtClean="0"/>
-              <a:t>17/10/2023</a:t>
+              <a:t>10/18/23</a:t>
             </a:fld>
             <a:endParaRPr lang="en-US"/>
           </a:p>
@@ -499,7 +935,7 @@
           <a:p>
             <a:fld id="{2F3E8B1C-86EF-43CF-8304-249481088644}" type="datetimeFigureOut">
               <a:rPr lang="en-US" smtClean="0"/>
-              <a:t>17/10/2023</a:t>
+              <a:t>10/18/23</a:t>
             </a:fld>
             <a:endParaRPr lang="en-US"/>
           </a:p>
@@ -709,7 +1145,7 @@
           <a:p>
             <a:fld id="{2F3E8B1C-86EF-43CF-8304-249481088644}" type="datetimeFigureOut">
               <a:rPr lang="en-US" smtClean="0"/>
-              <a:t>17/10/2023</a:t>
+              <a:t>10/18/23</a:t>
             </a:fld>
             <a:endParaRPr lang="en-US"/>
           </a:p>
@@ -907,7 +1343,7 @@
           <a:p>
             <a:fld id="{2F3E8B1C-86EF-43CF-8304-249481088644}" type="datetimeFigureOut">
               <a:rPr lang="en-US" smtClean="0"/>
-              <a:t>17/10/2023</a:t>
+              <a:t>10/18/23</a:t>
             </a:fld>
             <a:endParaRPr lang="en-US"/>
           </a:p>
@@ -1183,7 +1619,7 @@
           <a:p>
             <a:fld id="{2F3E8B1C-86EF-43CF-8304-249481088644}" type="datetimeFigureOut">
               <a:rPr lang="en-US" smtClean="0"/>
-              <a:t>17/10/2023</a:t>
+              <a:t>10/18/23</a:t>
             </a:fld>
             <a:endParaRPr lang="en-US"/>
           </a:p>
@@ -1456,7 +1892,7 @@
           <a:p>
             <a:fld id="{2F3E8B1C-86EF-43CF-8304-249481088644}" type="datetimeFigureOut">
               <a:rPr lang="en-US" smtClean="0"/>
-              <a:t>17/10/2023</a:t>
+              <a:t>10/18/23</a:t>
             </a:fld>
             <a:endParaRPr lang="en-US"/>
           </a:p>
@@ -1878,7 +2314,7 @@
           <a:p>
             <a:fld id="{2F3E8B1C-86EF-43CF-8304-249481088644}" type="datetimeFigureOut">
               <a:rPr lang="en-US" smtClean="0"/>
-              <a:t>17/10/2023</a:t>
+              <a:t>10/18/23</a:t>
             </a:fld>
             <a:endParaRPr lang="en-US"/>
           </a:p>
@@ -2020,7 +2456,7 @@
           <a:p>
             <a:fld id="{2F3E8B1C-86EF-43CF-8304-249481088644}" type="datetimeFigureOut">
               <a:rPr lang="en-US" smtClean="0"/>
-              <a:t>17/10/2023</a:t>
+              <a:t>10/18/23</a:t>
             </a:fld>
             <a:endParaRPr lang="en-US"/>
           </a:p>
@@ -2133,7 +2569,7 @@
           <a:p>
             <a:fld id="{2F3E8B1C-86EF-43CF-8304-249481088644}" type="datetimeFigureOut">
               <a:rPr lang="en-US" smtClean="0"/>
-              <a:t>17/10/2023</a:t>
+              <a:t>10/18/23</a:t>
             </a:fld>
             <a:endParaRPr lang="en-US"/>
           </a:p>
@@ -2446,7 +2882,7 @@
           <a:p>
             <a:fld id="{2F3E8B1C-86EF-43CF-8304-249481088644}" type="datetimeFigureOut">
               <a:rPr lang="en-US" smtClean="0"/>
-              <a:t>17/10/2023</a:t>
+              <a:t>10/18/23</a:t>
             </a:fld>
             <a:endParaRPr lang="en-US"/>
           </a:p>
@@ -2738,7 +3174,7 @@
           <a:p>
             <a:fld id="{2F3E8B1C-86EF-43CF-8304-249481088644}" type="datetimeFigureOut">
               <a:rPr lang="en-US" smtClean="0"/>
-              <a:t>17/10/2023</a:t>
+              <a:t>10/18/23</a:t>
             </a:fld>
             <a:endParaRPr lang="en-US"/>
           </a:p>
@@ -2981,7 +3417,7 @@
             <a:fld id="{2F3E8B1C-86EF-43CF-8304-249481088644}" type="datetimeFigureOut">
               <a:rPr lang="en-US" smtClean="0"/>
               <a:pPr/>
-              <a:t>17/10/2023</a:t>
+              <a:t>10/18/23</a:t>
             </a:fld>
             <a:endParaRPr lang="en-US"/>
           </a:p>
@@ -3551,18 +3987,18 @@
           <a:p>
             <a:pPr algn="ctr"/>
             <a:r>
-              <a:rPr lang="en-US">
+              <a:rPr lang="en-US" dirty="0">
                 <a:latin typeface="Optimistic Display"/>
               </a:rPr>
               <a:t>Presentation</a:t>
             </a:r>
             <a:br>
-              <a:rPr lang="en-US">
+              <a:rPr lang="en-US" dirty="0">
                 <a:latin typeface="Optimistic Display"/>
               </a:rPr>
             </a:br>
             <a:r>
-              <a:rPr lang="en-US">
+              <a:rPr lang="en-US" dirty="0">
                 <a:latin typeface="Optimistic Display"/>
               </a:rPr>
               <a:t>react hooks</a:t>
@@ -3598,7 +4034,7 @@
           <a:p>
             <a:pPr algn="ctr"/>
             <a:r>
-              <a:rPr lang="en-US">
+              <a:rPr lang="en-US" dirty="0">
                 <a:latin typeface="Optimistic Display"/>
               </a:rPr>
               <a:t>Tung Le</a:t>
@@ -3621,7 +4057,7 @@
           <p:nvPr/>
         </p:nvPicPr>
         <p:blipFill>
-          <a:blip r:embed="rId2">
+          <a:blip r:embed="rId3">
             <a:extLst>
               <a:ext uri="{28A0092B-C50C-407E-A947-70E740481C1C}">
                 <a14:useLocalDpi xmlns:a14="http://schemas.microsoft.com/office/drawing/2010/main" val="0"/>
@@ -9526,7 +9962,7 @@
           <a:lstStyle/>
           <a:p>
             <a:r>
-              <a:rPr lang="en-US">
+              <a:rPr lang="en-US" dirty="0">
                 <a:latin typeface="Optimistic Display"/>
               </a:rPr>
               <a:t>About this topic</a:t>
@@ -12347,13 +12783,13 @@
               <a:buChar char="•"/>
             </a:pPr>
             <a:r>
-              <a:rPr lang="en-US" sz="2000">
+              <a:rPr lang="en-US" sz="2000" dirty="0">
                 <a:solidFill>
                   <a:srgbClr val="000000"/>
                 </a:solidFill>
                 <a:latin typeface="Optimistic Display"/>
               </a:rPr>
-              <a:t>React hooks:</a:t>
+              <a:t>Basic hooks:</a:t>
             </a:r>
           </a:p>
           <a:p>
@@ -12361,7 +12797,7 @@
               <a:buNone/>
             </a:pPr>
             <a:r>
-              <a:rPr lang="en-US" sz="2000">
+              <a:rPr lang="en-US" sz="2000" dirty="0">
                 <a:solidFill>
                   <a:srgbClr val="000000"/>
                 </a:solidFill>
@@ -12370,7 +12806,7 @@
               <a:t>	- State Hooks: </a:t>
             </a:r>
             <a:r>
-              <a:rPr lang="en-US" sz="2000" i="1" err="1">
+              <a:rPr lang="en-US" sz="2000" i="1" dirty="0" err="1">
                 <a:solidFill>
                   <a:srgbClr val="000000"/>
                 </a:solidFill>
@@ -12379,7 +12815,7 @@
               <a:t>useState</a:t>
             </a:r>
             <a:r>
-              <a:rPr lang="en-US" sz="2000">
+              <a:rPr lang="en-US" sz="2000" dirty="0">
                 <a:solidFill>
                   <a:srgbClr val="000000"/>
                 </a:solidFill>
@@ -12388,7 +12824,7 @@
               <a:t>, </a:t>
             </a:r>
             <a:r>
-              <a:rPr lang="en-US" sz="2000" i="1" err="1">
+              <a:rPr lang="en-US" sz="2000" i="1" dirty="0" err="1">
                 <a:solidFill>
                   <a:srgbClr val="000000"/>
                 </a:solidFill>
@@ -12396,7 +12832,7 @@
               </a:rPr>
               <a:t>useReducer</a:t>
             </a:r>
-            <a:endParaRPr lang="en-US" sz="2000" i="1">
+            <a:endParaRPr lang="en-US" sz="2000" i="1" dirty="0">
               <a:solidFill>
                 <a:srgbClr val="000000"/>
               </a:solidFill>
@@ -12408,7 +12844,7 @@
               <a:buNone/>
             </a:pPr>
             <a:r>
-              <a:rPr lang="en-US" sz="2000">
+              <a:rPr lang="en-US" sz="2000" dirty="0">
                 <a:solidFill>
                   <a:srgbClr val="000000"/>
                 </a:solidFill>
@@ -12417,7 +12853,7 @@
               <a:t>	- Effect Hooks: </a:t>
             </a:r>
             <a:r>
-              <a:rPr lang="en-US" sz="2000" i="1" err="1">
+              <a:rPr lang="en-US" sz="2000" i="1" dirty="0" err="1">
                 <a:solidFill>
                   <a:srgbClr val="000000"/>
                 </a:solidFill>
@@ -12426,7 +12862,7 @@
               <a:t>useEffect</a:t>
             </a:r>
             <a:r>
-              <a:rPr lang="en-US" sz="2000">
+              <a:rPr lang="en-US" sz="2000" dirty="0">
                 <a:solidFill>
                   <a:srgbClr val="000000"/>
                 </a:solidFill>
@@ -12435,7 +12871,7 @@
               <a:t>, </a:t>
             </a:r>
             <a:r>
-              <a:rPr lang="en-US" sz="2000" i="1" err="1">
+              <a:rPr lang="en-US" sz="2000" i="1" dirty="0" err="1">
                 <a:solidFill>
                   <a:srgbClr val="000000"/>
                 </a:solidFill>
@@ -12444,7 +12880,7 @@
               <a:t>useLayoutEffect</a:t>
             </a:r>
             <a:r>
-              <a:rPr lang="en-US" sz="2000">
+              <a:rPr lang="en-US" sz="2000" dirty="0">
                 <a:solidFill>
                   <a:srgbClr val="000000"/>
                 </a:solidFill>
@@ -12453,7 +12889,7 @@
               <a:t>, </a:t>
             </a:r>
             <a:r>
-              <a:rPr lang="en-US" sz="2000" i="1" err="1">
+              <a:rPr lang="en-US" sz="2000" i="1" dirty="0" err="1">
                 <a:solidFill>
                   <a:srgbClr val="000000"/>
                 </a:solidFill>
@@ -12461,7 +12897,7 @@
               </a:rPr>
               <a:t>useInsertionEffect</a:t>
             </a:r>
-            <a:endParaRPr lang="en-US" sz="2000" i="1">
+            <a:endParaRPr lang="en-US" sz="2000" i="1" dirty="0">
               <a:solidFill>
                 <a:srgbClr val="000000"/>
               </a:solidFill>
@@ -12473,7 +12909,7 @@
               <a:buNone/>
             </a:pPr>
             <a:r>
-              <a:rPr lang="en-US" sz="2000">
+              <a:rPr lang="en-US" sz="2000" dirty="0">
                 <a:solidFill>
                   <a:srgbClr val="000000"/>
                 </a:solidFill>
@@ -12482,7 +12918,7 @@
               <a:t>	- Performance Hooks: </a:t>
             </a:r>
             <a:r>
-              <a:rPr lang="en-US" sz="2000" i="1" err="1">
+              <a:rPr lang="en-US" sz="2000" i="1" dirty="0" err="1">
                 <a:solidFill>
                   <a:srgbClr val="000000"/>
                 </a:solidFill>
@@ -12491,7 +12927,7 @@
               <a:t>useMemo</a:t>
             </a:r>
             <a:r>
-              <a:rPr lang="en-US" sz="2000">
+              <a:rPr lang="en-US" sz="2000" dirty="0">
                 <a:solidFill>
                   <a:srgbClr val="000000"/>
                 </a:solidFill>
@@ -12500,7 +12936,7 @@
               <a:t>, </a:t>
             </a:r>
             <a:r>
-              <a:rPr lang="en-US" sz="2000" i="1" err="1">
+              <a:rPr lang="en-US" sz="2000" i="1" dirty="0" err="1">
                 <a:solidFill>
                   <a:srgbClr val="000000"/>
                 </a:solidFill>
@@ -12509,7 +12945,7 @@
               <a:t>useCallback</a:t>
             </a:r>
             <a:r>
-              <a:rPr lang="en-US" sz="2000">
+              <a:rPr lang="en-US" sz="2000" dirty="0">
                 <a:solidFill>
                   <a:srgbClr val="000000"/>
                 </a:solidFill>
@@ -12518,7 +12954,7 @@
               <a:t>, </a:t>
             </a:r>
             <a:r>
-              <a:rPr lang="en-US" sz="2000" i="1" err="1">
+              <a:rPr lang="en-US" sz="2000" i="1" dirty="0" err="1">
                 <a:solidFill>
                   <a:srgbClr val="000000"/>
                 </a:solidFill>
@@ -12527,7 +12963,7 @@
               <a:t>useTransition</a:t>
             </a:r>
             <a:r>
-              <a:rPr lang="en-US" sz="2000">
+              <a:rPr lang="en-US" sz="2000" dirty="0">
                 <a:solidFill>
                   <a:srgbClr val="000000"/>
                 </a:solidFill>
@@ -12541,7 +12977,7 @@
               <a:buNone/>
             </a:pPr>
             <a:r>
-              <a:rPr lang="en-US" sz="2000">
+              <a:rPr lang="en-US" sz="2000" dirty="0">
                 <a:solidFill>
                   <a:srgbClr val="000000"/>
                 </a:solidFill>
@@ -12549,7 +12985,7 @@
               </a:rPr>
               <a:t>	- …..</a:t>
             </a:r>
-            <a:endParaRPr lang="en-US" sz="2000">
+            <a:endParaRPr lang="en-US" sz="2000" dirty="0">
               <a:latin typeface="Optimistic Display"/>
             </a:endParaRPr>
           </a:p>
@@ -12588,7 +13024,7 @@
               <a:buChar char="•"/>
             </a:pPr>
             <a:r>
-              <a:rPr lang="en-US" sz="2000" b="1">
+              <a:rPr lang="en-US" sz="2000" b="1" dirty="0">
                 <a:solidFill>
                   <a:srgbClr val="000000"/>
                 </a:solidFill>
@@ -12598,7 +13034,7 @@
               <a:t>Hooks</a:t>
             </a:r>
             <a:r>
-              <a:rPr lang="en-US" sz="2000" b="0" i="0">
+              <a:rPr lang="en-US" sz="2000" b="0" i="0" dirty="0">
                 <a:solidFill>
                   <a:srgbClr val="000000"/>
                 </a:solidFill>
@@ -12607,7 +13043,7 @@
               </a:rPr>
               <a:t> are functions that let you “hook into” React state and lifecycle features from function components. </a:t>
             </a:r>
-            <a:endParaRPr lang="en-US" sz="2000"/>
+            <a:endParaRPr lang="en-US" sz="2000" dirty="0"/>
           </a:p>
         </p:txBody>
       </p:sp>
@@ -13600,8 +14036,44 @@
         </p:blipFill>
         <p:spPr>
           <a:xfrm>
-            <a:off x="1706167" y="2947705"/>
-            <a:ext cx="8779665" cy="2568776"/>
+            <a:off x="918716" y="2864951"/>
+            <a:ext cx="5734034" cy="2104341"/>
+          </a:xfrm>
+          <a:prstGeom prst="rect">
+            <a:avLst/>
+          </a:prstGeom>
+        </p:spPr>
+      </p:pic>
+      <p:pic>
+        <p:nvPicPr>
+          <p:cNvPr id="8" name="Picture 7">
+            <a:extLst>
+              <a:ext uri="{FF2B5EF4-FFF2-40B4-BE49-F238E27FC236}">
+                <a16:creationId xmlns:a16="http://schemas.microsoft.com/office/drawing/2014/main" id="{BBC322BB-9DCB-EE2E-D431-62778CA0DA79}"/>
+              </a:ext>
+            </a:extLst>
+          </p:cNvPr>
+          <p:cNvPicPr>
+            <a:picLocks noChangeAspect="1"/>
+          </p:cNvPicPr>
+          <p:nvPr/>
+        </p:nvPicPr>
+        <p:blipFill>
+          <a:blip r:embed="rId3">
+            <a:extLst>
+              <a:ext uri="{28A0092B-C50C-407E-A947-70E740481C1C}">
+                <a14:useLocalDpi xmlns:a14="http://schemas.microsoft.com/office/drawing/2010/main" val="0"/>
+              </a:ext>
+            </a:extLst>
+          </a:blip>
+          <a:stretch>
+            <a:fillRect/>
+          </a:stretch>
+        </p:blipFill>
+        <p:spPr>
+          <a:xfrm>
+            <a:off x="7107749" y="2864951"/>
+            <a:ext cx="4383617" cy="1710511"/>
           </a:xfrm>
           <a:prstGeom prst="rect">
             <a:avLst/>
@@ -14450,4 +14922,299 @@
     </a:ext>
   </a:extLst>
 </a:theme>
+</file>
+
+<file path=ppt/theme/theme2.xml><?xml version="1.0" encoding="utf-8"?>
+<a:theme xmlns:a="http://schemas.openxmlformats.org/drawingml/2006/main" name="Office Theme">
+  <a:themeElements>
+    <a:clrScheme name="Office">
+      <a:dk1>
+        <a:sysClr val="windowText" lastClr="000000"/>
+      </a:dk1>
+      <a:lt1>
+        <a:sysClr val="window" lastClr="FFFFFF"/>
+      </a:lt1>
+      <a:dk2>
+        <a:srgbClr val="44546A"/>
+      </a:dk2>
+      <a:lt2>
+        <a:srgbClr val="E7E6E6"/>
+      </a:lt2>
+      <a:accent1>
+        <a:srgbClr val="4472C4"/>
+      </a:accent1>
+      <a:accent2>
+        <a:srgbClr val="ED7D31"/>
+      </a:accent2>
+      <a:accent3>
+        <a:srgbClr val="A5A5A5"/>
+      </a:accent3>
+      <a:accent4>
+        <a:srgbClr val="FFC000"/>
+      </a:accent4>
+      <a:accent5>
+        <a:srgbClr val="5B9BD5"/>
+      </a:accent5>
+      <a:accent6>
+        <a:srgbClr val="70AD47"/>
+      </a:accent6>
+      <a:hlink>
+        <a:srgbClr val="0563C1"/>
+      </a:hlink>
+      <a:folHlink>
+        <a:srgbClr val="954F72"/>
+      </a:folHlink>
+    </a:clrScheme>
+    <a:fontScheme name="Office">
+      <a:majorFont>
+        <a:latin typeface="Calibri Light" panose="020F0302020204030204"/>
+        <a:ea typeface=""/>
+        <a:cs typeface=""/>
+        <a:font script="Jpan" typeface="游ゴシック Light"/>
+        <a:font script="Hang" typeface="맑은 고딕"/>
+        <a:font script="Hans" typeface="等线 Light"/>
+        <a:font script="Hant" typeface="新細明體"/>
+        <a:font script="Arab" typeface="Times New Roman"/>
+        <a:font script="Hebr" typeface="Times New Roman"/>
+        <a:font script="Thai" typeface="Angsana New"/>
+        <a:font script="Ethi" typeface="Nyala"/>
+        <a:font script="Beng" typeface="Vrinda"/>
+        <a:font script="Gujr" typeface="Shruti"/>
+        <a:font script="Khmr" typeface="MoolBoran"/>
+        <a:font script="Knda" typeface="Tunga"/>
+        <a:font script="Guru" typeface="Raavi"/>
+        <a:font script="Cans" typeface="Euphemia"/>
+        <a:font script="Cher" typeface="Plantagenet Cherokee"/>
+        <a:font script="Yiii" typeface="Microsoft Yi Baiti"/>
+        <a:font script="Tibt" typeface="Microsoft Himalaya"/>
+        <a:font script="Thaa" typeface="MV Boli"/>
+        <a:font script="Deva" typeface="Mangal"/>
+        <a:font script="Telu" typeface="Gautami"/>
+        <a:font script="Taml" typeface="Latha"/>
+        <a:font script="Syrc" typeface="Estrangelo Edessa"/>
+        <a:font script="Orya" typeface="Kalinga"/>
+        <a:font script="Mlym" typeface="Kartika"/>
+        <a:font script="Laoo" typeface="DokChampa"/>
+        <a:font script="Sinh" typeface="Iskoola Pota"/>
+        <a:font script="Mong" typeface="Mongolian Baiti"/>
+        <a:font script="Viet" typeface="Times New Roman"/>
+        <a:font script="Uigh" typeface="Microsoft Uighur"/>
+        <a:font script="Geor" typeface="Sylfaen"/>
+        <a:font script="Armn" typeface="Arial"/>
+        <a:font script="Bugi" typeface="Leelawadee UI"/>
+        <a:font script="Bopo" typeface="Microsoft JhengHei"/>
+        <a:font script="Java" typeface="Javanese Text"/>
+        <a:font script="Lisu" typeface="Segoe UI"/>
+        <a:font script="Mymr" typeface="Myanmar Text"/>
+        <a:font script="Nkoo" typeface="Ebrima"/>
+        <a:font script="Olck" typeface="Nirmala UI"/>
+        <a:font script="Osma" typeface="Ebrima"/>
+        <a:font script="Phag" typeface="Phagspa"/>
+        <a:font script="Syrn" typeface="Estrangelo Edessa"/>
+        <a:font script="Syrj" typeface="Estrangelo Edessa"/>
+        <a:font script="Syre" typeface="Estrangelo Edessa"/>
+        <a:font script="Sora" typeface="Nirmala UI"/>
+        <a:font script="Tale" typeface="Microsoft Tai Le"/>
+        <a:font script="Talu" typeface="Microsoft New Tai Lue"/>
+        <a:font script="Tfng" typeface="Ebrima"/>
+      </a:majorFont>
+      <a:minorFont>
+        <a:latin typeface="Calibri" panose="020F0502020204030204"/>
+        <a:ea typeface=""/>
+        <a:cs typeface=""/>
+        <a:font script="Jpan" typeface="游ゴシック"/>
+        <a:font script="Hang" typeface="맑은 고딕"/>
+        <a:font script="Hans" typeface="等线"/>
+        <a:font script="Hant" typeface="新細明體"/>
+        <a:font script="Arab" typeface="Arial"/>
+        <a:font script="Hebr" typeface="Arial"/>
+        <a:font script="Thai" typeface="Cordia New"/>
+        <a:font script="Ethi" typeface="Nyala"/>
+        <a:font script="Beng" typeface="Vrinda"/>
+        <a:font script="Gujr" typeface="Shruti"/>
+        <a:font script="Khmr" typeface="DaunPenh"/>
+        <a:font script="Knda" typeface="Tunga"/>
+        <a:font script="Guru" typeface="Raavi"/>
+        <a:font script="Cans" typeface="Euphemia"/>
+        <a:font script="Cher" typeface="Plantagenet Cherokee"/>
+        <a:font script="Yiii" typeface="Microsoft Yi Baiti"/>
+        <a:font script="Tibt" typeface="Microsoft Himalaya"/>
+        <a:font script="Thaa" typeface="MV Boli"/>
+        <a:font script="Deva" typeface="Mangal"/>
+        <a:font script="Telu" typeface="Gautami"/>
+        <a:font script="Taml" typeface="Latha"/>
+        <a:font script="Syrc" typeface="Estrangelo Edessa"/>
+        <a:font script="Orya" typeface="Kalinga"/>
+        <a:font script="Mlym" typeface="Kartika"/>
+        <a:font script="Laoo" typeface="DokChampa"/>
+        <a:font script="Sinh" typeface="Iskoola Pota"/>
+        <a:font script="Mong" typeface="Mongolian Baiti"/>
+        <a:font script="Viet" typeface="Arial"/>
+        <a:font script="Uigh" typeface="Microsoft Uighur"/>
+        <a:font script="Geor" typeface="Sylfaen"/>
+        <a:font script="Armn" typeface="Arial"/>
+        <a:font script="Bugi" typeface="Leelawadee UI"/>
+        <a:font script="Bopo" typeface="Microsoft JhengHei"/>
+        <a:font script="Java" typeface="Javanese Text"/>
+        <a:font script="Lisu" typeface="Segoe UI"/>
+        <a:font script="Mymr" typeface="Myanmar Text"/>
+        <a:font script="Nkoo" typeface="Ebrima"/>
+        <a:font script="Olck" typeface="Nirmala UI"/>
+        <a:font script="Osma" typeface="Ebrima"/>
+        <a:font script="Phag" typeface="Phagspa"/>
+        <a:font script="Syrn" typeface="Estrangelo Edessa"/>
+        <a:font script="Syrj" typeface="Estrangelo Edessa"/>
+        <a:font script="Syre" typeface="Estrangelo Edessa"/>
+        <a:font script="Sora" typeface="Nirmala UI"/>
+        <a:font script="Tale" typeface="Microsoft Tai Le"/>
+        <a:font script="Talu" typeface="Microsoft New Tai Lue"/>
+        <a:font script="Tfng" typeface="Ebrima"/>
+      </a:minorFont>
+    </a:fontScheme>
+    <a:fmtScheme name="Office">
+      <a:fillStyleLst>
+        <a:solidFill>
+          <a:schemeClr val="phClr"/>
+        </a:solidFill>
+        <a:gradFill rotWithShape="1">
+          <a:gsLst>
+            <a:gs pos="0">
+              <a:schemeClr val="phClr">
+                <a:lumMod val="110000"/>
+                <a:satMod val="105000"/>
+                <a:tint val="67000"/>
+              </a:schemeClr>
+            </a:gs>
+            <a:gs pos="50000">
+              <a:schemeClr val="phClr">
+                <a:lumMod val="105000"/>
+                <a:satMod val="103000"/>
+                <a:tint val="73000"/>
+              </a:schemeClr>
+            </a:gs>
+            <a:gs pos="100000">
+              <a:schemeClr val="phClr">
+                <a:lumMod val="105000"/>
+                <a:satMod val="109000"/>
+                <a:tint val="81000"/>
+              </a:schemeClr>
+            </a:gs>
+          </a:gsLst>
+          <a:lin ang="5400000" scaled="0"/>
+        </a:gradFill>
+        <a:gradFill rotWithShape="1">
+          <a:gsLst>
+            <a:gs pos="0">
+              <a:schemeClr val="phClr">
+                <a:satMod val="103000"/>
+                <a:lumMod val="102000"/>
+                <a:tint val="94000"/>
+              </a:schemeClr>
+            </a:gs>
+            <a:gs pos="50000">
+              <a:schemeClr val="phClr">
+                <a:satMod val="110000"/>
+                <a:lumMod val="100000"/>
+                <a:shade val="100000"/>
+              </a:schemeClr>
+            </a:gs>
+            <a:gs pos="100000">
+              <a:schemeClr val="phClr">
+                <a:lumMod val="99000"/>
+                <a:satMod val="120000"/>
+                <a:shade val="78000"/>
+              </a:schemeClr>
+            </a:gs>
+          </a:gsLst>
+          <a:lin ang="5400000" scaled="0"/>
+        </a:gradFill>
+      </a:fillStyleLst>
+      <a:lnStyleLst>
+        <a:ln w="6350" cap="flat" cmpd="sng" algn="ctr">
+          <a:solidFill>
+            <a:schemeClr val="phClr"/>
+          </a:solidFill>
+          <a:prstDash val="solid"/>
+          <a:miter lim="800000"/>
+        </a:ln>
+        <a:ln w="12700" cap="flat" cmpd="sng" algn="ctr">
+          <a:solidFill>
+            <a:schemeClr val="phClr"/>
+          </a:solidFill>
+          <a:prstDash val="solid"/>
+          <a:miter lim="800000"/>
+        </a:ln>
+        <a:ln w="19050" cap="flat" cmpd="sng" algn="ctr">
+          <a:solidFill>
+            <a:schemeClr val="phClr"/>
+          </a:solidFill>
+          <a:prstDash val="solid"/>
+          <a:miter lim="800000"/>
+        </a:ln>
+      </a:lnStyleLst>
+      <a:effectStyleLst>
+        <a:effectStyle>
+          <a:effectLst/>
+        </a:effectStyle>
+        <a:effectStyle>
+          <a:effectLst/>
+        </a:effectStyle>
+        <a:effectStyle>
+          <a:effectLst>
+            <a:outerShdw blurRad="57150" dist="19050" dir="5400000" algn="ctr" rotWithShape="0">
+              <a:srgbClr val="000000">
+                <a:alpha val="63000"/>
+              </a:srgbClr>
+            </a:outerShdw>
+          </a:effectLst>
+        </a:effectStyle>
+      </a:effectStyleLst>
+      <a:bgFillStyleLst>
+        <a:solidFill>
+          <a:schemeClr val="phClr"/>
+        </a:solidFill>
+        <a:solidFill>
+          <a:schemeClr val="phClr">
+            <a:tint val="95000"/>
+            <a:satMod val="170000"/>
+          </a:schemeClr>
+        </a:solidFill>
+        <a:gradFill rotWithShape="1">
+          <a:gsLst>
+            <a:gs pos="0">
+              <a:schemeClr val="phClr">
+                <a:tint val="93000"/>
+                <a:satMod val="150000"/>
+                <a:shade val="98000"/>
+                <a:lumMod val="102000"/>
+              </a:schemeClr>
+            </a:gs>
+            <a:gs pos="50000">
+              <a:schemeClr val="phClr">
+                <a:tint val="98000"/>
+                <a:satMod val="130000"/>
+                <a:shade val="90000"/>
+                <a:lumMod val="103000"/>
+              </a:schemeClr>
+            </a:gs>
+            <a:gs pos="100000">
+              <a:schemeClr val="phClr">
+                <a:shade val="63000"/>
+                <a:satMod val="120000"/>
+              </a:schemeClr>
+            </a:gs>
+          </a:gsLst>
+          <a:lin ang="5400000" scaled="0"/>
+        </a:gradFill>
+      </a:bgFillStyleLst>
+    </a:fmtScheme>
+  </a:themeElements>
+  <a:objectDefaults/>
+  <a:extraClrSchemeLst/>
+  <a:extLst>
+    <a:ext uri="{05A4C25C-085E-4340-85A3-A5531E510DB2}">
+      <thm15:themeFamily xmlns:thm15="http://schemas.microsoft.com/office/thememl/2012/main" name="Office Theme" id="{62F939B6-93AF-4DB8-9C6B-D6C7DFDC589F}" vid="{4A3C46E8-61CC-4603-A589-7422A47A8E4A}"/>
+    </a:ext>
+  </a:extLst>
+</a:theme>
 </file>
--- a/Presentation.pptx
+++ b/Presentation.pptx
@@ -233,7 +233,7 @@
           <a:p>
             <a:fld id="{F4C4260C-F59F-724C-80A2-B7D82CF37498}" type="datetimeFigureOut">
               <a:rPr lang="en-US" smtClean="0"/>
-              <a:t>10/18/23</a:t>
+              <a:t>18/10/2023</a:t>
             </a:fld>
             <a:endParaRPr lang="en-US"/>
           </a:p>
@@ -737,7 +737,7 @@
           <a:p>
             <a:fld id="{2F3E8B1C-86EF-43CF-8304-249481088644}" type="datetimeFigureOut">
               <a:rPr lang="en-US" smtClean="0"/>
-              <a:t>10/18/23</a:t>
+              <a:t>18/10/2023</a:t>
             </a:fld>
             <a:endParaRPr lang="en-US"/>
           </a:p>
@@ -935,7 +935,7 @@
           <a:p>
             <a:fld id="{2F3E8B1C-86EF-43CF-8304-249481088644}" type="datetimeFigureOut">
               <a:rPr lang="en-US" smtClean="0"/>
-              <a:t>10/18/23</a:t>
+              <a:t>18/10/2023</a:t>
             </a:fld>
             <a:endParaRPr lang="en-US"/>
           </a:p>
@@ -1145,7 +1145,7 @@
           <a:p>
             <a:fld id="{2F3E8B1C-86EF-43CF-8304-249481088644}" type="datetimeFigureOut">
               <a:rPr lang="en-US" smtClean="0"/>
-              <a:t>10/18/23</a:t>
+              <a:t>18/10/2023</a:t>
             </a:fld>
             <a:endParaRPr lang="en-US"/>
           </a:p>
@@ -1343,7 +1343,7 @@
           <a:p>
             <a:fld id="{2F3E8B1C-86EF-43CF-8304-249481088644}" type="datetimeFigureOut">
               <a:rPr lang="en-US" smtClean="0"/>
-              <a:t>10/18/23</a:t>
+              <a:t>18/10/2023</a:t>
             </a:fld>
             <a:endParaRPr lang="en-US"/>
           </a:p>
@@ -1619,7 +1619,7 @@
           <a:p>
             <a:fld id="{2F3E8B1C-86EF-43CF-8304-249481088644}" type="datetimeFigureOut">
               <a:rPr lang="en-US" smtClean="0"/>
-              <a:t>10/18/23</a:t>
+              <a:t>18/10/2023</a:t>
             </a:fld>
             <a:endParaRPr lang="en-US"/>
           </a:p>
@@ -1892,7 +1892,7 @@
           <a:p>
             <a:fld id="{2F3E8B1C-86EF-43CF-8304-249481088644}" type="datetimeFigureOut">
               <a:rPr lang="en-US" smtClean="0"/>
-              <a:t>10/18/23</a:t>
+              <a:t>18/10/2023</a:t>
             </a:fld>
             <a:endParaRPr lang="en-US"/>
           </a:p>
@@ -2314,7 +2314,7 @@
           <a:p>
             <a:fld id="{2F3E8B1C-86EF-43CF-8304-249481088644}" type="datetimeFigureOut">
               <a:rPr lang="en-US" smtClean="0"/>
-              <a:t>10/18/23</a:t>
+              <a:t>18/10/2023</a:t>
             </a:fld>
             <a:endParaRPr lang="en-US"/>
           </a:p>
@@ -2456,7 +2456,7 @@
           <a:p>
             <a:fld id="{2F3E8B1C-86EF-43CF-8304-249481088644}" type="datetimeFigureOut">
               <a:rPr lang="en-US" smtClean="0"/>
-              <a:t>10/18/23</a:t>
+              <a:t>18/10/2023</a:t>
             </a:fld>
             <a:endParaRPr lang="en-US"/>
           </a:p>
@@ -2569,7 +2569,7 @@
           <a:p>
             <a:fld id="{2F3E8B1C-86EF-43CF-8304-249481088644}" type="datetimeFigureOut">
               <a:rPr lang="en-US" smtClean="0"/>
-              <a:t>10/18/23</a:t>
+              <a:t>18/10/2023</a:t>
             </a:fld>
             <a:endParaRPr lang="en-US"/>
           </a:p>
@@ -2882,7 +2882,7 @@
           <a:p>
             <a:fld id="{2F3E8B1C-86EF-43CF-8304-249481088644}" type="datetimeFigureOut">
               <a:rPr lang="en-US" smtClean="0"/>
-              <a:t>10/18/23</a:t>
+              <a:t>18/10/2023</a:t>
             </a:fld>
             <a:endParaRPr lang="en-US"/>
           </a:p>
@@ -3174,7 +3174,7 @@
           <a:p>
             <a:fld id="{2F3E8B1C-86EF-43CF-8304-249481088644}" type="datetimeFigureOut">
               <a:rPr lang="en-US" smtClean="0"/>
-              <a:t>10/18/23</a:t>
+              <a:t>18/10/2023</a:t>
             </a:fld>
             <a:endParaRPr lang="en-US"/>
           </a:p>
@@ -3417,7 +3417,7 @@
             <a:fld id="{2F3E8B1C-86EF-43CF-8304-249481088644}" type="datetimeFigureOut">
               <a:rPr lang="en-US" smtClean="0"/>
               <a:pPr/>
-              <a:t>10/18/23</a:t>
+              <a:t>18/10/2023</a:t>
             </a:fld>
             <a:endParaRPr lang="en-US"/>
           </a:p>
@@ -14125,6 +14125,51 @@
                                         </p:cTn>
                                         <p:tgtEl>
                                           <p:spTgt spid="5"/>
+                                        </p:tgtEl>
+                                        <p:attrNameLst>
+                                          <p:attrName>style.visibility</p:attrName>
+                                        </p:attrNameLst>
+                                      </p:cBhvr>
+                                      <p:to>
+                                        <p:strVal val="visible"/>
+                                      </p:to>
+                                    </p:set>
+                                  </p:childTnLst>
+                                </p:cTn>
+                              </p:par>
+                            </p:childTnLst>
+                          </p:cTn>
+                        </p:par>
+                      </p:childTnLst>
+                    </p:cTn>
+                  </p:par>
+                  <p:par>
+                    <p:cTn id="7" fill="hold">
+                      <p:stCondLst>
+                        <p:cond delay="indefinite"/>
+                      </p:stCondLst>
+                      <p:childTnLst>
+                        <p:par>
+                          <p:cTn id="8" fill="hold">
+                            <p:stCondLst>
+                              <p:cond delay="0"/>
+                            </p:stCondLst>
+                            <p:childTnLst>
+                              <p:par>
+                                <p:cTn id="9" presetID="1" presetClass="entr" presetSubtype="0" fill="hold" nodeType="clickEffect">
+                                  <p:stCondLst>
+                                    <p:cond delay="0"/>
+                                  </p:stCondLst>
+                                  <p:childTnLst>
+                                    <p:set>
+                                      <p:cBhvr>
+                                        <p:cTn id="10" dur="1" fill="hold">
+                                          <p:stCondLst>
+                                            <p:cond delay="0"/>
+                                          </p:stCondLst>
+                                        </p:cTn>
+                                        <p:tgtEl>
+                                          <p:spTgt spid="8"/>
                                         </p:tgtEl>
                                         <p:attrNameLst>
                                           <p:attrName>style.visibility</p:attrName>
